--- a/simulation_output_comparison.pptx
+++ b/simulation_output_comparison.pptx
@@ -5,7 +5,20 @@
     <p:sldMasterId id="2147483660" r:id="rId1"/>
   </p:sldMasterIdLst>
   <p:sldIdLst>
-    <p:sldId id="256" r:id="rId2"/>
+    <p:sldId id="257" r:id="rId2"/>
+    <p:sldId id="260" r:id="rId3"/>
+    <p:sldId id="258" r:id="rId4"/>
+    <p:sldId id="261" r:id="rId5"/>
+    <p:sldId id="262" r:id="rId6"/>
+    <p:sldId id="256" r:id="rId7"/>
+    <p:sldId id="264" r:id="rId8"/>
+    <p:sldId id="265" r:id="rId9"/>
+    <p:sldId id="266" r:id="rId10"/>
+    <p:sldId id="259" r:id="rId11"/>
+    <p:sldId id="263" r:id="rId12"/>
+    <p:sldId id="269" r:id="rId13"/>
+    <p:sldId id="268" r:id="rId14"/>
+    <p:sldId id="267" r:id="rId15"/>
   </p:sldIdLst>
   <p:sldSz cx="9144000" cy="6858000" type="screen4x3"/>
   <p:notesSz cx="6858000" cy="9144000"/>
@@ -254,7 +267,7 @@
           <a:p>
             <a:fld id="{4029C070-8D66-43F3-9182-A6BE622E7BCB}" type="datetimeFigureOut">
               <a:rPr lang="en-US" smtClean="0"/>
-              <a:t>7/8/2019</a:t>
+              <a:t>7/20/2019</a:t>
             </a:fld>
             <a:endParaRPr lang="en-US"/>
           </a:p>
@@ -424,7 +437,7 @@
           <a:p>
             <a:fld id="{4029C070-8D66-43F3-9182-A6BE622E7BCB}" type="datetimeFigureOut">
               <a:rPr lang="en-US" smtClean="0"/>
-              <a:t>7/8/2019</a:t>
+              <a:t>7/20/2019</a:t>
             </a:fld>
             <a:endParaRPr lang="en-US"/>
           </a:p>
@@ -604,7 +617,7 @@
           <a:p>
             <a:fld id="{4029C070-8D66-43F3-9182-A6BE622E7BCB}" type="datetimeFigureOut">
               <a:rPr lang="en-US" smtClean="0"/>
-              <a:t>7/8/2019</a:t>
+              <a:t>7/20/2019</a:t>
             </a:fld>
             <a:endParaRPr lang="en-US"/>
           </a:p>
@@ -774,7 +787,7 @@
           <a:p>
             <a:fld id="{4029C070-8D66-43F3-9182-A6BE622E7BCB}" type="datetimeFigureOut">
               <a:rPr lang="en-US" smtClean="0"/>
-              <a:t>7/8/2019</a:t>
+              <a:t>7/20/2019</a:t>
             </a:fld>
             <a:endParaRPr lang="en-US"/>
           </a:p>
@@ -1018,7 +1031,7 @@
           <a:p>
             <a:fld id="{4029C070-8D66-43F3-9182-A6BE622E7BCB}" type="datetimeFigureOut">
               <a:rPr lang="en-US" smtClean="0"/>
-              <a:t>7/8/2019</a:t>
+              <a:t>7/20/2019</a:t>
             </a:fld>
             <a:endParaRPr lang="en-US"/>
           </a:p>
@@ -1250,7 +1263,7 @@
           <a:p>
             <a:fld id="{4029C070-8D66-43F3-9182-A6BE622E7BCB}" type="datetimeFigureOut">
               <a:rPr lang="en-US" smtClean="0"/>
-              <a:t>7/8/2019</a:t>
+              <a:t>7/20/2019</a:t>
             </a:fld>
             <a:endParaRPr lang="en-US"/>
           </a:p>
@@ -1617,7 +1630,7 @@
           <a:p>
             <a:fld id="{4029C070-8D66-43F3-9182-A6BE622E7BCB}" type="datetimeFigureOut">
               <a:rPr lang="en-US" smtClean="0"/>
-              <a:t>7/8/2019</a:t>
+              <a:t>7/20/2019</a:t>
             </a:fld>
             <a:endParaRPr lang="en-US"/>
           </a:p>
@@ -1735,7 +1748,7 @@
           <a:p>
             <a:fld id="{4029C070-8D66-43F3-9182-A6BE622E7BCB}" type="datetimeFigureOut">
               <a:rPr lang="en-US" smtClean="0"/>
-              <a:t>7/8/2019</a:t>
+              <a:t>7/20/2019</a:t>
             </a:fld>
             <a:endParaRPr lang="en-US"/>
           </a:p>
@@ -1830,7 +1843,7 @@
           <a:p>
             <a:fld id="{4029C070-8D66-43F3-9182-A6BE622E7BCB}" type="datetimeFigureOut">
               <a:rPr lang="en-US" smtClean="0"/>
-              <a:t>7/8/2019</a:t>
+              <a:t>7/20/2019</a:t>
             </a:fld>
             <a:endParaRPr lang="en-US"/>
           </a:p>
@@ -2107,7 +2120,7 @@
           <a:p>
             <a:fld id="{4029C070-8D66-43F3-9182-A6BE622E7BCB}" type="datetimeFigureOut">
               <a:rPr lang="en-US" smtClean="0"/>
-              <a:t>7/8/2019</a:t>
+              <a:t>7/20/2019</a:t>
             </a:fld>
             <a:endParaRPr lang="en-US"/>
           </a:p>
@@ -2364,7 +2377,7 @@
           <a:p>
             <a:fld id="{4029C070-8D66-43F3-9182-A6BE622E7BCB}" type="datetimeFigureOut">
               <a:rPr lang="en-US" smtClean="0"/>
-              <a:t>7/8/2019</a:t>
+              <a:t>7/20/2019</a:t>
             </a:fld>
             <a:endParaRPr lang="en-US"/>
           </a:p>
@@ -2577,7 +2590,7 @@
           <a:p>
             <a:fld id="{4029C070-8D66-43F3-9182-A6BE622E7BCB}" type="datetimeFigureOut">
               <a:rPr lang="en-US" smtClean="0"/>
-              <a:t>7/8/2019</a:t>
+              <a:t>7/20/2019</a:t>
             </a:fld>
             <a:endParaRPr lang="en-US"/>
           </a:p>
@@ -2984,6 +2997,5521 @@
       </p:grpSpPr>
       <p:sp>
         <p:nvSpPr>
+          <p:cNvPr id="6" name="TextBox 5"/>
+          <p:cNvSpPr txBox="1"/>
+          <p:nvPr/>
+        </p:nvSpPr>
+        <p:spPr>
+          <a:xfrm>
+            <a:off x="323273" y="249382"/>
+            <a:ext cx="2033442" cy="769441"/>
+          </a:xfrm>
+          <a:prstGeom prst="rect">
+            <a:avLst/>
+          </a:prstGeom>
+          <a:noFill/>
+        </p:spPr>
+        <p:txBody>
+          <a:bodyPr wrap="none" rtlCol="0">
+            <a:spAutoFit/>
+          </a:bodyPr>
+          <a:lstStyle/>
+          <a:p>
+            <a:r>
+              <a:rPr lang="en-US" sz="4400" dirty="0" smtClean="0"/>
+              <a:t>Group 2</a:t>
+            </a:r>
+            <a:endParaRPr lang="en-US" sz="4400" dirty="0"/>
+          </a:p>
+        </p:txBody>
+      </p:sp>
+      <p:sp>
+        <p:nvSpPr>
+          <p:cNvPr id="7" name="TextBox 6"/>
+          <p:cNvSpPr txBox="1"/>
+          <p:nvPr/>
+        </p:nvSpPr>
+        <p:spPr>
+          <a:xfrm>
+            <a:off x="383312" y="1085259"/>
+            <a:ext cx="8174182" cy="1384995"/>
+          </a:xfrm>
+          <a:prstGeom prst="rect">
+            <a:avLst/>
+          </a:prstGeom>
+          <a:noFill/>
+        </p:spPr>
+        <p:txBody>
+          <a:bodyPr wrap="square" rtlCol="0">
+            <a:spAutoFit/>
+          </a:bodyPr>
+          <a:lstStyle/>
+          <a:p>
+            <a:r>
+              <a:rPr lang="en-US" sz="2800" dirty="0" smtClean="0"/>
+              <a:t>Comparison of disparate simulation models reveals the  sensitive processes and robust patterns with respect to implementation decisions</a:t>
+            </a:r>
+            <a:endParaRPr lang="en-US" sz="2800" dirty="0"/>
+          </a:p>
+        </p:txBody>
+      </p:sp>
+      <p:sp>
+        <p:nvSpPr>
+          <p:cNvPr id="8" name="TextBox 7"/>
+          <p:cNvSpPr txBox="1"/>
+          <p:nvPr/>
+        </p:nvSpPr>
+        <p:spPr>
+          <a:xfrm>
+            <a:off x="383312" y="3168072"/>
+            <a:ext cx="8174182" cy="954107"/>
+          </a:xfrm>
+          <a:prstGeom prst="rect">
+            <a:avLst/>
+          </a:prstGeom>
+          <a:noFill/>
+        </p:spPr>
+        <p:txBody>
+          <a:bodyPr wrap="square" rtlCol="0">
+            <a:spAutoFit/>
+          </a:bodyPr>
+          <a:lstStyle/>
+          <a:p>
+            <a:r>
+              <a:rPr lang="en-US" sz="2800" dirty="0" smtClean="0"/>
+              <a:t>Allen, Mikael, Thiago, Odile, Shan, Oskar, </a:t>
+            </a:r>
+            <a:r>
+              <a:rPr lang="en-US" sz="2800" dirty="0" err="1" smtClean="0"/>
+              <a:t>Loic</a:t>
+            </a:r>
+            <a:r>
+              <a:rPr lang="en-US" sz="2800" dirty="0" smtClean="0"/>
+              <a:t>, David, Susanne, Juliano, Florian, Pedro, … join us!</a:t>
+            </a:r>
+            <a:endParaRPr lang="en-US" sz="2800" dirty="0"/>
+          </a:p>
+        </p:txBody>
+      </p:sp>
+    </p:spTree>
+    <p:extLst>
+      <p:ext uri="{BB962C8B-B14F-4D97-AF65-F5344CB8AC3E}">
+        <p14:creationId xmlns:p14="http://schemas.microsoft.com/office/powerpoint/2010/main" val="3424360026"/>
+      </p:ext>
+    </p:extLst>
+  </p:cSld>
+  <p:clrMapOvr>
+    <a:masterClrMapping/>
+  </p:clrMapOvr>
+</p:sld>
+</file>
+
+<file path=ppt/slides/slide10.xml><?xml version="1.0" encoding="utf-8"?>
+<p:sld xmlns:a="http://schemas.openxmlformats.org/drawingml/2006/main" xmlns:r="http://schemas.openxmlformats.org/officeDocument/2006/relationships" xmlns:p="http://schemas.openxmlformats.org/presentationml/2006/main">
+  <p:cSld>
+    <p:spTree>
+      <p:nvGrpSpPr>
+        <p:cNvPr id="1" name=""/>
+        <p:cNvGrpSpPr/>
+        <p:nvPr/>
+      </p:nvGrpSpPr>
+      <p:grpSpPr>
+        <a:xfrm>
+          <a:off x="0" y="0"/>
+          <a:ext cx="0" cy="0"/>
+          <a:chOff x="0" y="0"/>
+          <a:chExt cx="0" cy="0"/>
+        </a:xfrm>
+      </p:grpSpPr>
+      <p:sp>
+        <p:nvSpPr>
+          <p:cNvPr id="5" name="TextBox 4"/>
+          <p:cNvSpPr txBox="1"/>
+          <p:nvPr/>
+        </p:nvSpPr>
+        <p:spPr>
+          <a:xfrm>
+            <a:off x="258618" y="5903893"/>
+            <a:ext cx="8174182" cy="954107"/>
+          </a:xfrm>
+          <a:prstGeom prst="rect">
+            <a:avLst/>
+          </a:prstGeom>
+          <a:noFill/>
+        </p:spPr>
+        <p:txBody>
+          <a:bodyPr wrap="square" rtlCol="0">
+            <a:spAutoFit/>
+          </a:bodyPr>
+          <a:lstStyle/>
+          <a:p>
+            <a:r>
+              <a:rPr lang="en-US" sz="2800" dirty="0" smtClean="0"/>
+              <a:t>Trees from 3 different simulation families</a:t>
+            </a:r>
+          </a:p>
+          <a:p>
+            <a:r>
+              <a:rPr lang="en-US" sz="2800" dirty="0"/>
+              <a:t>	</a:t>
+            </a:r>
+            <a:r>
+              <a:rPr lang="en-US" sz="2800" dirty="0" smtClean="0"/>
+              <a:t>				--upload yours to </a:t>
+            </a:r>
+            <a:r>
+              <a:rPr lang="en-US" sz="2800" dirty="0" err="1" smtClean="0"/>
+              <a:t>Github</a:t>
+            </a:r>
+            <a:r>
+              <a:rPr lang="en-US" sz="2800" dirty="0" smtClean="0"/>
+              <a:t>!</a:t>
+            </a:r>
+            <a:endParaRPr lang="en-US" sz="2800" dirty="0"/>
+          </a:p>
+        </p:txBody>
+      </p:sp>
+      <p:pic>
+        <p:nvPicPr>
+          <p:cNvPr id="2" name="Picture 1"/>
+          <p:cNvPicPr>
+            <a:picLocks noChangeAspect="1"/>
+          </p:cNvPicPr>
+          <p:nvPr/>
+        </p:nvPicPr>
+        <p:blipFill>
+          <a:blip r:embed="rId2"/>
+          <a:stretch>
+            <a:fillRect/>
+          </a:stretch>
+        </p:blipFill>
+        <p:spPr>
+          <a:xfrm>
+            <a:off x="129309" y="132430"/>
+            <a:ext cx="8931564" cy="5715137"/>
+          </a:xfrm>
+          <a:prstGeom prst="rect">
+            <a:avLst/>
+          </a:prstGeom>
+        </p:spPr>
+      </p:pic>
+    </p:spTree>
+    <p:extLst>
+      <p:ext uri="{BB962C8B-B14F-4D97-AF65-F5344CB8AC3E}">
+        <p14:creationId xmlns:p14="http://schemas.microsoft.com/office/powerpoint/2010/main" val="276410534"/>
+      </p:ext>
+    </p:extLst>
+  </p:cSld>
+  <p:clrMapOvr>
+    <a:masterClrMapping/>
+  </p:clrMapOvr>
+</p:sld>
+</file>
+
+<file path=ppt/slides/slide11.xml><?xml version="1.0" encoding="utf-8"?>
+<p:sld xmlns:a="http://schemas.openxmlformats.org/drawingml/2006/main" xmlns:r="http://schemas.openxmlformats.org/officeDocument/2006/relationships" xmlns:p="http://schemas.openxmlformats.org/presentationml/2006/main">
+  <p:cSld>
+    <p:spTree>
+      <p:nvGrpSpPr>
+        <p:cNvPr id="1" name=""/>
+        <p:cNvGrpSpPr/>
+        <p:nvPr/>
+      </p:nvGrpSpPr>
+      <p:grpSpPr>
+        <a:xfrm>
+          <a:off x="0" y="0"/>
+          <a:ext cx="0" cy="0"/>
+          <a:chOff x="0" y="0"/>
+          <a:chExt cx="0" cy="0"/>
+        </a:xfrm>
+      </p:grpSpPr>
+      <p:sp>
+        <p:nvSpPr>
+          <p:cNvPr id="5" name="TextBox 4"/>
+          <p:cNvSpPr txBox="1"/>
+          <p:nvPr/>
+        </p:nvSpPr>
+        <p:spPr>
+          <a:xfrm>
+            <a:off x="325241" y="804868"/>
+            <a:ext cx="8174182" cy="1538883"/>
+          </a:xfrm>
+          <a:prstGeom prst="rect">
+            <a:avLst/>
+          </a:prstGeom>
+          <a:noFill/>
+        </p:spPr>
+        <p:txBody>
+          <a:bodyPr wrap="square" rtlCol="0">
+            <a:spAutoFit/>
+          </a:bodyPr>
+          <a:lstStyle/>
+          <a:p>
+            <a:pPr marL="457200" indent="-457200">
+              <a:buFont typeface="Arial" panose="020B0604020202020204" pitchFamily="34" charset="0"/>
+              <a:buChar char="•"/>
+            </a:pPr>
+            <a:r>
+              <a:rPr lang="en-US" sz="2800" dirty="0" smtClean="0"/>
+              <a:t>Collate simulation output</a:t>
+            </a:r>
+          </a:p>
+          <a:p>
+            <a:pPr marL="914400" lvl="1" indent="-457200">
+              <a:buFont typeface="Wingdings" panose="05000000000000000000" pitchFamily="2" charset="2"/>
+              <a:buChar char="Ø"/>
+            </a:pPr>
+            <a:r>
+              <a:rPr lang="en-US" sz="2400" b="1" dirty="0" smtClean="0"/>
+              <a:t>trees</a:t>
+            </a:r>
+            <a:r>
+              <a:rPr lang="en-US" sz="2400" dirty="0" smtClean="0"/>
+              <a:t>, but also </a:t>
+            </a:r>
+            <a:r>
+              <a:rPr lang="en-US" sz="2400" b="1" dirty="0" smtClean="0"/>
+              <a:t>site x species </a:t>
+            </a:r>
+            <a:r>
+              <a:rPr lang="en-US" sz="2400" dirty="0" smtClean="0"/>
+              <a:t>&amp; </a:t>
+            </a:r>
+            <a:r>
+              <a:rPr lang="en-US" sz="2400" b="1" dirty="0" smtClean="0"/>
+              <a:t>traits </a:t>
+            </a:r>
+            <a:r>
+              <a:rPr lang="en-US" sz="2400" dirty="0" smtClean="0"/>
+              <a:t>tables if relevant</a:t>
+            </a:r>
+          </a:p>
+          <a:p>
+            <a:pPr marL="914400" lvl="1" indent="-457200">
+              <a:buFont typeface="Wingdings" panose="05000000000000000000" pitchFamily="2" charset="2"/>
+              <a:buChar char="Ø"/>
+            </a:pPr>
+            <a:r>
+              <a:rPr lang="en-US" sz="2400" dirty="0" smtClean="0"/>
+              <a:t>Ensure data format standardization</a:t>
+            </a:r>
+          </a:p>
+          <a:p>
+            <a:pPr marL="457200" indent="-457200">
+              <a:buFont typeface="Arial" panose="020B0604020202020204" pitchFamily="34" charset="0"/>
+              <a:buChar char="•"/>
+            </a:pPr>
+            <a:endParaRPr lang="en-US" dirty="0"/>
+          </a:p>
+        </p:txBody>
+      </p:sp>
+      <p:sp>
+        <p:nvSpPr>
+          <p:cNvPr id="9" name="TextBox 8"/>
+          <p:cNvSpPr txBox="1"/>
+          <p:nvPr/>
+        </p:nvSpPr>
+        <p:spPr>
+          <a:xfrm>
+            <a:off x="325241" y="96982"/>
+            <a:ext cx="8174182" cy="707886"/>
+          </a:xfrm>
+          <a:prstGeom prst="rect">
+            <a:avLst/>
+          </a:prstGeom>
+          <a:noFill/>
+        </p:spPr>
+        <p:txBody>
+          <a:bodyPr wrap="square" rtlCol="0">
+            <a:spAutoFit/>
+          </a:bodyPr>
+          <a:lstStyle/>
+          <a:p>
+            <a:r>
+              <a:rPr lang="en-US" sz="4000" dirty="0" smtClean="0"/>
+              <a:t>Goals for this week</a:t>
+            </a:r>
+            <a:endParaRPr lang="en-US" sz="4000" b="1" dirty="0"/>
+          </a:p>
+        </p:txBody>
+      </p:sp>
+    </p:spTree>
+    <p:extLst>
+      <p:ext uri="{BB962C8B-B14F-4D97-AF65-F5344CB8AC3E}">
+        <p14:creationId xmlns:p14="http://schemas.microsoft.com/office/powerpoint/2010/main" val="1160393687"/>
+      </p:ext>
+    </p:extLst>
+  </p:cSld>
+  <p:clrMapOvr>
+    <a:masterClrMapping/>
+  </p:clrMapOvr>
+</p:sld>
+</file>
+
+<file path=ppt/slides/slide12.xml><?xml version="1.0" encoding="utf-8"?>
+<p:sld xmlns:a="http://schemas.openxmlformats.org/drawingml/2006/main" xmlns:r="http://schemas.openxmlformats.org/officeDocument/2006/relationships" xmlns:p="http://schemas.openxmlformats.org/presentationml/2006/main">
+  <p:cSld>
+    <p:spTree>
+      <p:nvGrpSpPr>
+        <p:cNvPr id="1" name=""/>
+        <p:cNvGrpSpPr/>
+        <p:nvPr/>
+      </p:nvGrpSpPr>
+      <p:grpSpPr>
+        <a:xfrm>
+          <a:off x="0" y="0"/>
+          <a:ext cx="0" cy="0"/>
+          <a:chOff x="0" y="0"/>
+          <a:chExt cx="0" cy="0"/>
+        </a:xfrm>
+      </p:grpSpPr>
+      <p:sp>
+        <p:nvSpPr>
+          <p:cNvPr id="5" name="TextBox 4"/>
+          <p:cNvSpPr txBox="1"/>
+          <p:nvPr/>
+        </p:nvSpPr>
+        <p:spPr>
+          <a:xfrm>
+            <a:off x="325241" y="804868"/>
+            <a:ext cx="8174182" cy="3785652"/>
+          </a:xfrm>
+          <a:prstGeom prst="rect">
+            <a:avLst/>
+          </a:prstGeom>
+          <a:noFill/>
+        </p:spPr>
+        <p:txBody>
+          <a:bodyPr wrap="square" rtlCol="0">
+            <a:spAutoFit/>
+          </a:bodyPr>
+          <a:lstStyle/>
+          <a:p>
+            <a:pPr marL="457200" indent="-457200">
+              <a:buFont typeface="Arial" panose="020B0604020202020204" pitchFamily="34" charset="0"/>
+              <a:buChar char="•"/>
+            </a:pPr>
+            <a:r>
+              <a:rPr lang="en-US" sz="2800" dirty="0" smtClean="0"/>
+              <a:t>Collate simulation output</a:t>
+            </a:r>
+          </a:p>
+          <a:p>
+            <a:pPr marL="914400" lvl="1" indent="-457200">
+              <a:buFont typeface="Wingdings" panose="05000000000000000000" pitchFamily="2" charset="2"/>
+              <a:buChar char="Ø"/>
+            </a:pPr>
+            <a:r>
+              <a:rPr lang="en-US" sz="2400" b="1" dirty="0" smtClean="0"/>
+              <a:t>trees</a:t>
+            </a:r>
+            <a:r>
+              <a:rPr lang="en-US" sz="2400" dirty="0" smtClean="0"/>
+              <a:t>, but also </a:t>
+            </a:r>
+            <a:r>
+              <a:rPr lang="en-US" sz="2400" b="1" dirty="0" smtClean="0"/>
+              <a:t>site x species </a:t>
+            </a:r>
+            <a:r>
+              <a:rPr lang="en-US" sz="2400" dirty="0" smtClean="0"/>
+              <a:t>&amp; </a:t>
+            </a:r>
+            <a:r>
+              <a:rPr lang="en-US" sz="2400" b="1" dirty="0" smtClean="0"/>
+              <a:t>traits </a:t>
+            </a:r>
+            <a:r>
+              <a:rPr lang="en-US" sz="2400" dirty="0" smtClean="0"/>
+              <a:t>tables if relevant</a:t>
+            </a:r>
+          </a:p>
+          <a:p>
+            <a:pPr marL="914400" lvl="1" indent="-457200">
+              <a:buFont typeface="Wingdings" panose="05000000000000000000" pitchFamily="2" charset="2"/>
+              <a:buChar char="Ø"/>
+            </a:pPr>
+            <a:r>
+              <a:rPr lang="en-US" sz="2400" dirty="0" smtClean="0"/>
+              <a:t>Ensure data format standardization</a:t>
+            </a:r>
+          </a:p>
+          <a:p>
+            <a:pPr marL="457200" indent="-457200">
+              <a:buFont typeface="Arial" panose="020B0604020202020204" pitchFamily="34" charset="0"/>
+              <a:buChar char="•"/>
+            </a:pPr>
+            <a:endParaRPr lang="en-US" dirty="0"/>
+          </a:p>
+          <a:p>
+            <a:pPr marL="457200" indent="-457200">
+              <a:buFont typeface="Arial" panose="020B0604020202020204" pitchFamily="34" charset="0"/>
+              <a:buChar char="•"/>
+            </a:pPr>
+            <a:r>
+              <a:rPr lang="en-US" sz="2800" dirty="0" smtClean="0"/>
+              <a:t>Identify the big picture processes that may be implemented in different ways</a:t>
+            </a:r>
+          </a:p>
+          <a:p>
+            <a:pPr marL="914400" lvl="1" indent="-457200">
+              <a:buFont typeface="Wingdings" panose="05000000000000000000" pitchFamily="2" charset="2"/>
+              <a:buChar char="Ø"/>
+            </a:pPr>
+            <a:r>
+              <a:rPr lang="en-US" sz="2400" dirty="0" smtClean="0"/>
+              <a:t>Diversity dependence vs independence</a:t>
+            </a:r>
+          </a:p>
+          <a:p>
+            <a:pPr marL="914400" lvl="1" indent="-457200">
+              <a:buFont typeface="Wingdings" panose="05000000000000000000" pitchFamily="2" charset="2"/>
+              <a:buChar char="Ø"/>
+            </a:pPr>
+            <a:r>
+              <a:rPr lang="en-US" sz="2400" dirty="0" smtClean="0"/>
+              <a:t>Speciation mode</a:t>
+            </a:r>
+          </a:p>
+          <a:p>
+            <a:pPr marL="914400" lvl="1" indent="-457200">
+              <a:buFont typeface="Wingdings" panose="05000000000000000000" pitchFamily="2" charset="2"/>
+              <a:buChar char="Ø"/>
+            </a:pPr>
+            <a:r>
+              <a:rPr lang="en-US" sz="2400" dirty="0" smtClean="0"/>
+              <a:t>Others…</a:t>
+            </a:r>
+          </a:p>
+          <a:p>
+            <a:pPr marL="914400" lvl="1" indent="-457200">
+              <a:buFont typeface="Arial" panose="020B0604020202020204" pitchFamily="34" charset="0"/>
+              <a:buChar char="•"/>
+            </a:pPr>
+            <a:endParaRPr lang="en-US" dirty="0" smtClean="0"/>
+          </a:p>
+        </p:txBody>
+      </p:sp>
+      <p:sp>
+        <p:nvSpPr>
+          <p:cNvPr id="9" name="TextBox 8"/>
+          <p:cNvSpPr txBox="1"/>
+          <p:nvPr/>
+        </p:nvSpPr>
+        <p:spPr>
+          <a:xfrm>
+            <a:off x="325241" y="96982"/>
+            <a:ext cx="8174182" cy="707886"/>
+          </a:xfrm>
+          <a:prstGeom prst="rect">
+            <a:avLst/>
+          </a:prstGeom>
+          <a:noFill/>
+        </p:spPr>
+        <p:txBody>
+          <a:bodyPr wrap="square" rtlCol="0">
+            <a:spAutoFit/>
+          </a:bodyPr>
+          <a:lstStyle/>
+          <a:p>
+            <a:r>
+              <a:rPr lang="en-US" sz="4000" dirty="0" smtClean="0"/>
+              <a:t>Goals for this week</a:t>
+            </a:r>
+            <a:endParaRPr lang="en-US" sz="4000" b="1" dirty="0"/>
+          </a:p>
+        </p:txBody>
+      </p:sp>
+    </p:spTree>
+    <p:extLst>
+      <p:ext uri="{BB962C8B-B14F-4D97-AF65-F5344CB8AC3E}">
+        <p14:creationId xmlns:p14="http://schemas.microsoft.com/office/powerpoint/2010/main" val="3119499903"/>
+      </p:ext>
+    </p:extLst>
+  </p:cSld>
+  <p:clrMapOvr>
+    <a:masterClrMapping/>
+  </p:clrMapOvr>
+</p:sld>
+</file>
+
+<file path=ppt/slides/slide13.xml><?xml version="1.0" encoding="utf-8"?>
+<p:sld xmlns:a="http://schemas.openxmlformats.org/drawingml/2006/main" xmlns:r="http://schemas.openxmlformats.org/officeDocument/2006/relationships" xmlns:p="http://schemas.openxmlformats.org/presentationml/2006/main">
+  <p:cSld>
+    <p:spTree>
+      <p:nvGrpSpPr>
+        <p:cNvPr id="1" name=""/>
+        <p:cNvGrpSpPr/>
+        <p:nvPr/>
+      </p:nvGrpSpPr>
+      <p:grpSpPr>
+        <a:xfrm>
+          <a:off x="0" y="0"/>
+          <a:ext cx="0" cy="0"/>
+          <a:chOff x="0" y="0"/>
+          <a:chExt cx="0" cy="0"/>
+        </a:xfrm>
+      </p:grpSpPr>
+      <p:sp>
+        <p:nvSpPr>
+          <p:cNvPr id="5" name="TextBox 4"/>
+          <p:cNvSpPr txBox="1"/>
+          <p:nvPr/>
+        </p:nvSpPr>
+        <p:spPr>
+          <a:xfrm>
+            <a:off x="325241" y="804868"/>
+            <a:ext cx="8174182" cy="6124754"/>
+          </a:xfrm>
+          <a:prstGeom prst="rect">
+            <a:avLst/>
+          </a:prstGeom>
+          <a:noFill/>
+        </p:spPr>
+        <p:txBody>
+          <a:bodyPr wrap="square" rtlCol="0">
+            <a:spAutoFit/>
+          </a:bodyPr>
+          <a:lstStyle/>
+          <a:p>
+            <a:pPr marL="457200" indent="-457200">
+              <a:buFont typeface="Arial" panose="020B0604020202020204" pitchFamily="34" charset="0"/>
+              <a:buChar char="•"/>
+            </a:pPr>
+            <a:r>
+              <a:rPr lang="en-US" sz="2800" dirty="0" smtClean="0"/>
+              <a:t>Collate simulation output</a:t>
+            </a:r>
+          </a:p>
+          <a:p>
+            <a:pPr marL="914400" lvl="1" indent="-457200">
+              <a:buFont typeface="Wingdings" panose="05000000000000000000" pitchFamily="2" charset="2"/>
+              <a:buChar char="Ø"/>
+            </a:pPr>
+            <a:r>
+              <a:rPr lang="en-US" sz="2400" b="1" dirty="0" smtClean="0"/>
+              <a:t>trees</a:t>
+            </a:r>
+            <a:r>
+              <a:rPr lang="en-US" sz="2400" dirty="0" smtClean="0"/>
+              <a:t>, but also </a:t>
+            </a:r>
+            <a:r>
+              <a:rPr lang="en-US" sz="2400" b="1" dirty="0" smtClean="0"/>
+              <a:t>site x species </a:t>
+            </a:r>
+            <a:r>
+              <a:rPr lang="en-US" sz="2400" dirty="0" smtClean="0"/>
+              <a:t>&amp; </a:t>
+            </a:r>
+            <a:r>
+              <a:rPr lang="en-US" sz="2400" b="1" dirty="0" smtClean="0"/>
+              <a:t>traits </a:t>
+            </a:r>
+            <a:r>
+              <a:rPr lang="en-US" sz="2400" dirty="0" smtClean="0"/>
+              <a:t>tables if relevant</a:t>
+            </a:r>
+          </a:p>
+          <a:p>
+            <a:pPr marL="914400" lvl="1" indent="-457200">
+              <a:buFont typeface="Wingdings" panose="05000000000000000000" pitchFamily="2" charset="2"/>
+              <a:buChar char="Ø"/>
+            </a:pPr>
+            <a:r>
+              <a:rPr lang="en-US" sz="2400" dirty="0" smtClean="0"/>
+              <a:t>Ensure data format standardization</a:t>
+            </a:r>
+          </a:p>
+          <a:p>
+            <a:pPr marL="457200" indent="-457200">
+              <a:buFont typeface="Arial" panose="020B0604020202020204" pitchFamily="34" charset="0"/>
+              <a:buChar char="•"/>
+            </a:pPr>
+            <a:endParaRPr lang="en-US" dirty="0"/>
+          </a:p>
+          <a:p>
+            <a:pPr marL="457200" indent="-457200">
+              <a:buFont typeface="Arial" panose="020B0604020202020204" pitchFamily="34" charset="0"/>
+              <a:buChar char="•"/>
+            </a:pPr>
+            <a:r>
+              <a:rPr lang="en-US" sz="2800" dirty="0" smtClean="0"/>
+              <a:t>Identify the big picture processes that may be implemented in different ways</a:t>
+            </a:r>
+          </a:p>
+          <a:p>
+            <a:pPr marL="914400" lvl="1" indent="-457200">
+              <a:buFont typeface="Wingdings" panose="05000000000000000000" pitchFamily="2" charset="2"/>
+              <a:buChar char="Ø"/>
+            </a:pPr>
+            <a:r>
+              <a:rPr lang="en-US" sz="2400" dirty="0" smtClean="0"/>
+              <a:t>Diversity dependence vs independence</a:t>
+            </a:r>
+          </a:p>
+          <a:p>
+            <a:pPr marL="914400" lvl="1" indent="-457200">
+              <a:buFont typeface="Wingdings" panose="05000000000000000000" pitchFamily="2" charset="2"/>
+              <a:buChar char="Ø"/>
+            </a:pPr>
+            <a:r>
+              <a:rPr lang="en-US" sz="2400" dirty="0" smtClean="0"/>
+              <a:t>Speciation mode</a:t>
+            </a:r>
+          </a:p>
+          <a:p>
+            <a:pPr marL="914400" lvl="1" indent="-457200">
+              <a:buFont typeface="Wingdings" panose="05000000000000000000" pitchFamily="2" charset="2"/>
+              <a:buChar char="Ø"/>
+            </a:pPr>
+            <a:r>
+              <a:rPr lang="en-US" sz="2400" dirty="0" smtClean="0"/>
+              <a:t>Others…</a:t>
+            </a:r>
+          </a:p>
+          <a:p>
+            <a:pPr marL="914400" lvl="1" indent="-457200">
+              <a:buFont typeface="Arial" panose="020B0604020202020204" pitchFamily="34" charset="0"/>
+              <a:buChar char="•"/>
+            </a:pPr>
+            <a:endParaRPr lang="en-US" dirty="0" smtClean="0"/>
+          </a:p>
+          <a:p>
+            <a:pPr marL="457200" indent="-457200">
+              <a:buFont typeface="Arial" panose="020B0604020202020204" pitchFamily="34" charset="0"/>
+              <a:buChar char="•"/>
+            </a:pPr>
+            <a:r>
+              <a:rPr lang="en-US" sz="2800" dirty="0" smtClean="0"/>
+              <a:t>Identify how to classify/score simulation models to compare implementations</a:t>
+            </a:r>
+          </a:p>
+          <a:p>
+            <a:pPr marL="914400" lvl="1" indent="-457200">
+              <a:buFont typeface="Wingdings" panose="05000000000000000000" pitchFamily="2" charset="2"/>
+              <a:buChar char="Ø"/>
+            </a:pPr>
+            <a:r>
+              <a:rPr lang="en-US" sz="2400" dirty="0" smtClean="0"/>
+              <a:t>Modeled unit (individuals, populations, species)</a:t>
+            </a:r>
+          </a:p>
+          <a:p>
+            <a:pPr marL="914400" lvl="1" indent="-457200">
+              <a:buFont typeface="Wingdings" panose="05000000000000000000" pitchFamily="2" charset="2"/>
+              <a:buChar char="Ø"/>
+            </a:pPr>
+            <a:r>
+              <a:rPr lang="en-US" sz="2400" dirty="0" smtClean="0"/>
+              <a:t>Spatial resolution/extent</a:t>
+            </a:r>
+          </a:p>
+          <a:p>
+            <a:pPr marL="914400" lvl="1" indent="-457200">
+              <a:buFont typeface="Wingdings" panose="05000000000000000000" pitchFamily="2" charset="2"/>
+              <a:buChar char="Ø"/>
+            </a:pPr>
+            <a:r>
+              <a:rPr lang="en-US" sz="2400" dirty="0" smtClean="0"/>
+              <a:t>presence of environmental gradient</a:t>
+            </a:r>
+          </a:p>
+          <a:p>
+            <a:pPr marL="914400" lvl="1" indent="-457200">
+              <a:buFont typeface="Wingdings" panose="05000000000000000000" pitchFamily="2" charset="2"/>
+              <a:buChar char="Ø"/>
+            </a:pPr>
+            <a:r>
+              <a:rPr lang="en-US" sz="2400" dirty="0" smtClean="0"/>
+              <a:t>Others…</a:t>
+            </a:r>
+            <a:endParaRPr lang="en-US" sz="2400" dirty="0"/>
+          </a:p>
+        </p:txBody>
+      </p:sp>
+      <p:sp>
+        <p:nvSpPr>
+          <p:cNvPr id="9" name="TextBox 8"/>
+          <p:cNvSpPr txBox="1"/>
+          <p:nvPr/>
+        </p:nvSpPr>
+        <p:spPr>
+          <a:xfrm>
+            <a:off x="325241" y="96982"/>
+            <a:ext cx="8174182" cy="707886"/>
+          </a:xfrm>
+          <a:prstGeom prst="rect">
+            <a:avLst/>
+          </a:prstGeom>
+          <a:noFill/>
+        </p:spPr>
+        <p:txBody>
+          <a:bodyPr wrap="square" rtlCol="0">
+            <a:spAutoFit/>
+          </a:bodyPr>
+          <a:lstStyle/>
+          <a:p>
+            <a:r>
+              <a:rPr lang="en-US" sz="4000" dirty="0" smtClean="0"/>
+              <a:t>Goals for this week</a:t>
+            </a:r>
+            <a:endParaRPr lang="en-US" sz="4000" b="1" dirty="0"/>
+          </a:p>
+        </p:txBody>
+      </p:sp>
+    </p:spTree>
+    <p:extLst>
+      <p:ext uri="{BB962C8B-B14F-4D97-AF65-F5344CB8AC3E}">
+        <p14:creationId xmlns:p14="http://schemas.microsoft.com/office/powerpoint/2010/main" val="3713009499"/>
+      </p:ext>
+    </p:extLst>
+  </p:cSld>
+  <p:clrMapOvr>
+    <a:masterClrMapping/>
+  </p:clrMapOvr>
+</p:sld>
+</file>
+
+<file path=ppt/slides/slide14.xml><?xml version="1.0" encoding="utf-8"?>
+<p:sld xmlns:a="http://schemas.openxmlformats.org/drawingml/2006/main" xmlns:r="http://schemas.openxmlformats.org/officeDocument/2006/relationships" xmlns:p="http://schemas.openxmlformats.org/presentationml/2006/main">
+  <p:cSld>
+    <p:spTree>
+      <p:nvGrpSpPr>
+        <p:cNvPr id="1" name=""/>
+        <p:cNvGrpSpPr/>
+        <p:nvPr/>
+      </p:nvGrpSpPr>
+      <p:grpSpPr>
+        <a:xfrm>
+          <a:off x="0" y="0"/>
+          <a:ext cx="0" cy="0"/>
+          <a:chOff x="0" y="0"/>
+          <a:chExt cx="0" cy="0"/>
+        </a:xfrm>
+      </p:grpSpPr>
+      <p:sp>
+        <p:nvSpPr>
+          <p:cNvPr id="5" name="TextBox 4"/>
+          <p:cNvSpPr txBox="1"/>
+          <p:nvPr/>
+        </p:nvSpPr>
+        <p:spPr>
+          <a:xfrm>
+            <a:off x="325241" y="1117600"/>
+            <a:ext cx="8174182" cy="2062103"/>
+          </a:xfrm>
+          <a:prstGeom prst="rect">
+            <a:avLst/>
+          </a:prstGeom>
+          <a:noFill/>
+        </p:spPr>
+        <p:txBody>
+          <a:bodyPr wrap="square" rtlCol="0">
+            <a:spAutoFit/>
+          </a:bodyPr>
+          <a:lstStyle/>
+          <a:p>
+            <a:pPr marL="457200" indent="-457200">
+              <a:buFont typeface="Arial" panose="020B0604020202020204" pitchFamily="34" charset="0"/>
+              <a:buChar char="•"/>
+            </a:pPr>
+            <a:r>
+              <a:rPr lang="en-US" sz="2800" dirty="0" smtClean="0"/>
+              <a:t>Identify summary statistics, metrics and patterns</a:t>
+            </a:r>
+          </a:p>
+          <a:p>
+            <a:pPr marL="914400" lvl="1" indent="-457200">
+              <a:buFont typeface="Wingdings" panose="05000000000000000000" pitchFamily="2" charset="2"/>
+              <a:buChar char="Ø"/>
+            </a:pPr>
+            <a:r>
+              <a:rPr lang="en-US" sz="2400" dirty="0" smtClean="0"/>
+              <a:t>Phylogenetic patterns</a:t>
+            </a:r>
+          </a:p>
+          <a:p>
+            <a:pPr marL="914400" lvl="1" indent="-457200">
+              <a:buFont typeface="Wingdings" panose="05000000000000000000" pitchFamily="2" charset="2"/>
+              <a:buChar char="Ø"/>
+            </a:pPr>
+            <a:r>
+              <a:rPr lang="en-US" sz="2400" dirty="0" smtClean="0"/>
+              <a:t>Spatial patterns</a:t>
+            </a:r>
+          </a:p>
+          <a:p>
+            <a:pPr marL="914400" lvl="1" indent="-457200">
+              <a:buFont typeface="Wingdings" panose="05000000000000000000" pitchFamily="2" charset="2"/>
+              <a:buChar char="Ø"/>
+            </a:pPr>
+            <a:r>
+              <a:rPr lang="en-US" sz="2400" dirty="0" smtClean="0"/>
+              <a:t>BAMM, RPANDA, </a:t>
+            </a:r>
+            <a:r>
+              <a:rPr lang="en-US" sz="2400" dirty="0" err="1" smtClean="0"/>
+              <a:t>ClaDS</a:t>
+            </a:r>
+            <a:r>
+              <a:rPr lang="en-US" sz="2400" dirty="0" smtClean="0"/>
+              <a:t> output</a:t>
+            </a:r>
+            <a:endParaRPr lang="en-US" dirty="0"/>
+          </a:p>
+          <a:p>
+            <a:pPr marL="457200" indent="-457200">
+              <a:buFont typeface="Arial" panose="020B0604020202020204" pitchFamily="34" charset="0"/>
+              <a:buChar char="•"/>
+            </a:pPr>
+            <a:endParaRPr lang="en-US" sz="2800" dirty="0"/>
+          </a:p>
+        </p:txBody>
+      </p:sp>
+      <p:sp>
+        <p:nvSpPr>
+          <p:cNvPr id="9" name="TextBox 8"/>
+          <p:cNvSpPr txBox="1"/>
+          <p:nvPr/>
+        </p:nvSpPr>
+        <p:spPr>
+          <a:xfrm>
+            <a:off x="325241" y="226291"/>
+            <a:ext cx="8174182" cy="707886"/>
+          </a:xfrm>
+          <a:prstGeom prst="rect">
+            <a:avLst/>
+          </a:prstGeom>
+          <a:noFill/>
+        </p:spPr>
+        <p:txBody>
+          <a:bodyPr wrap="square" rtlCol="0">
+            <a:spAutoFit/>
+          </a:bodyPr>
+          <a:lstStyle/>
+          <a:p>
+            <a:r>
+              <a:rPr lang="en-US" sz="4000" dirty="0" smtClean="0"/>
+              <a:t>Goals for this week (continued)</a:t>
+            </a:r>
+            <a:endParaRPr lang="en-US" sz="4000" b="1" dirty="0"/>
+          </a:p>
+        </p:txBody>
+      </p:sp>
+    </p:spTree>
+    <p:extLst>
+      <p:ext uri="{BB962C8B-B14F-4D97-AF65-F5344CB8AC3E}">
+        <p14:creationId xmlns:p14="http://schemas.microsoft.com/office/powerpoint/2010/main" val="3247487955"/>
+      </p:ext>
+    </p:extLst>
+  </p:cSld>
+  <p:clrMapOvr>
+    <a:masterClrMapping/>
+  </p:clrMapOvr>
+</p:sld>
+</file>
+
+<file path=ppt/slides/slide2.xml><?xml version="1.0" encoding="utf-8"?>
+<p:sld xmlns:a="http://schemas.openxmlformats.org/drawingml/2006/main" xmlns:r="http://schemas.openxmlformats.org/officeDocument/2006/relationships" xmlns:p="http://schemas.openxmlformats.org/presentationml/2006/main">
+  <p:cSld>
+    <p:spTree>
+      <p:nvGrpSpPr>
+        <p:cNvPr id="1" name=""/>
+        <p:cNvGrpSpPr/>
+        <p:nvPr/>
+      </p:nvGrpSpPr>
+      <p:grpSpPr>
+        <a:xfrm>
+          <a:off x="0" y="0"/>
+          <a:ext cx="0" cy="0"/>
+          <a:chOff x="0" y="0"/>
+          <a:chExt cx="0" cy="0"/>
+        </a:xfrm>
+      </p:grpSpPr>
+      <p:sp>
+        <p:nvSpPr>
+          <p:cNvPr id="2" name="Title 1"/>
+          <p:cNvSpPr>
+            <a:spLocks noGrp="1"/>
+          </p:cNvSpPr>
+          <p:nvPr>
+            <p:ph type="title"/>
+          </p:nvPr>
+        </p:nvSpPr>
+        <p:spPr>
+          <a:xfrm>
+            <a:off x="0" y="81613"/>
+            <a:ext cx="7886700" cy="576983"/>
+          </a:xfrm>
+        </p:spPr>
+        <p:txBody>
+          <a:bodyPr>
+            <a:normAutofit fontScale="90000"/>
+          </a:bodyPr>
+          <a:lstStyle/>
+          <a:p>
+            <a:r>
+              <a:rPr lang="en-US" dirty="0" smtClean="0"/>
+              <a:t>Simulation models</a:t>
+            </a:r>
+            <a:endParaRPr lang="en-US" dirty="0"/>
+          </a:p>
+        </p:txBody>
+      </p:sp>
+      <p:sp>
+        <p:nvSpPr>
+          <p:cNvPr id="4" name="TextBox 3"/>
+          <p:cNvSpPr txBox="1"/>
+          <p:nvPr/>
+        </p:nvSpPr>
+        <p:spPr>
+          <a:xfrm>
+            <a:off x="299409" y="832413"/>
+            <a:ext cx="2623127" cy="523220"/>
+          </a:xfrm>
+          <a:prstGeom prst="rect">
+            <a:avLst/>
+          </a:prstGeom>
+          <a:noFill/>
+        </p:spPr>
+        <p:txBody>
+          <a:bodyPr wrap="square" rtlCol="0">
+            <a:spAutoFit/>
+          </a:bodyPr>
+          <a:lstStyle/>
+          <a:p>
+            <a:r>
+              <a:rPr lang="en-US" sz="2800" dirty="0" smtClean="0"/>
+              <a:t>Hurlbert-Stegen</a:t>
+            </a:r>
+            <a:endParaRPr lang="en-US" sz="2800" dirty="0"/>
+          </a:p>
+        </p:txBody>
+      </p:sp>
+      <p:sp>
+        <p:nvSpPr>
+          <p:cNvPr id="5" name="TextBox 4"/>
+          <p:cNvSpPr txBox="1"/>
+          <p:nvPr/>
+        </p:nvSpPr>
+        <p:spPr>
+          <a:xfrm>
+            <a:off x="7167487" y="1006230"/>
+            <a:ext cx="1428104" cy="518517"/>
+          </a:xfrm>
+          <a:prstGeom prst="rect">
+            <a:avLst/>
+          </a:prstGeom>
+          <a:noFill/>
+        </p:spPr>
+        <p:txBody>
+          <a:bodyPr wrap="square" rtlCol="0">
+            <a:spAutoFit/>
+          </a:bodyPr>
+          <a:lstStyle/>
+          <a:p>
+            <a:r>
+              <a:rPr lang="en-US" sz="2800" dirty="0" smtClean="0"/>
+              <a:t>Pontarp</a:t>
+            </a:r>
+            <a:endParaRPr lang="en-US" sz="2800" dirty="0"/>
+          </a:p>
+        </p:txBody>
+      </p:sp>
+      <p:sp>
+        <p:nvSpPr>
+          <p:cNvPr id="6" name="TextBox 5"/>
+          <p:cNvSpPr txBox="1"/>
+          <p:nvPr/>
+        </p:nvSpPr>
+        <p:spPr>
+          <a:xfrm>
+            <a:off x="609600" y="3398693"/>
+            <a:ext cx="1417781" cy="523220"/>
+          </a:xfrm>
+          <a:prstGeom prst="rect">
+            <a:avLst/>
+          </a:prstGeom>
+          <a:noFill/>
+        </p:spPr>
+        <p:txBody>
+          <a:bodyPr wrap="square" rtlCol="0">
+            <a:spAutoFit/>
+          </a:bodyPr>
+          <a:lstStyle/>
+          <a:p>
+            <a:r>
+              <a:rPr lang="en-US" sz="2800" dirty="0" smtClean="0"/>
+              <a:t>Rangel</a:t>
+            </a:r>
+            <a:endParaRPr lang="en-US" sz="2800" dirty="0"/>
+          </a:p>
+        </p:txBody>
+      </p:sp>
+      <p:sp>
+        <p:nvSpPr>
+          <p:cNvPr id="7" name="TextBox 6"/>
+          <p:cNvSpPr txBox="1"/>
+          <p:nvPr/>
+        </p:nvSpPr>
+        <p:spPr>
+          <a:xfrm>
+            <a:off x="7318371" y="5627662"/>
+            <a:ext cx="370813" cy="2677656"/>
+          </a:xfrm>
+          <a:prstGeom prst="rect">
+            <a:avLst/>
+          </a:prstGeom>
+          <a:noFill/>
+        </p:spPr>
+        <p:txBody>
+          <a:bodyPr wrap="square" rtlCol="0">
+            <a:spAutoFit/>
+          </a:bodyPr>
+          <a:lstStyle/>
+          <a:p>
+            <a:r>
+              <a:rPr lang="en-US" sz="2800" dirty="0" smtClean="0"/>
+              <a:t>Hartig</a:t>
+            </a:r>
+            <a:endParaRPr lang="en-US" sz="2800" dirty="0"/>
+          </a:p>
+        </p:txBody>
+      </p:sp>
+      <p:sp>
+        <p:nvSpPr>
+          <p:cNvPr id="8" name="TextBox 7"/>
+          <p:cNvSpPr txBox="1"/>
+          <p:nvPr/>
+        </p:nvSpPr>
+        <p:spPr>
+          <a:xfrm>
+            <a:off x="4088462" y="2755147"/>
+            <a:ext cx="1417781" cy="523220"/>
+          </a:xfrm>
+          <a:prstGeom prst="rect">
+            <a:avLst/>
+          </a:prstGeom>
+          <a:noFill/>
+        </p:spPr>
+        <p:txBody>
+          <a:bodyPr wrap="square" rtlCol="0">
+            <a:spAutoFit/>
+          </a:bodyPr>
+          <a:lstStyle/>
+          <a:p>
+            <a:r>
+              <a:rPr lang="en-US" sz="2800" dirty="0" smtClean="0"/>
+              <a:t>Cabral</a:t>
+            </a:r>
+            <a:endParaRPr lang="en-US" sz="2800" dirty="0"/>
+          </a:p>
+        </p:txBody>
+      </p:sp>
+      <p:sp>
+        <p:nvSpPr>
+          <p:cNvPr id="9" name="TextBox 8"/>
+          <p:cNvSpPr txBox="1"/>
+          <p:nvPr/>
+        </p:nvSpPr>
+        <p:spPr>
+          <a:xfrm>
+            <a:off x="6452461" y="5058260"/>
+            <a:ext cx="1731819" cy="523220"/>
+          </a:xfrm>
+          <a:prstGeom prst="rect">
+            <a:avLst/>
+          </a:prstGeom>
+          <a:noFill/>
+        </p:spPr>
+        <p:txBody>
+          <a:bodyPr wrap="square" rtlCol="0">
+            <a:spAutoFit/>
+          </a:bodyPr>
+          <a:lstStyle/>
+          <a:p>
+            <a:r>
+              <a:rPr lang="en-US" sz="2800" dirty="0" err="1" smtClean="0"/>
+              <a:t>Leidinger</a:t>
+            </a:r>
+            <a:endParaRPr lang="en-US" sz="2800" dirty="0"/>
+          </a:p>
+        </p:txBody>
+      </p:sp>
+      <p:sp>
+        <p:nvSpPr>
+          <p:cNvPr id="10" name="TextBox 9"/>
+          <p:cNvSpPr txBox="1"/>
+          <p:nvPr/>
+        </p:nvSpPr>
+        <p:spPr>
+          <a:xfrm>
+            <a:off x="4372479" y="460300"/>
+            <a:ext cx="1731819" cy="523220"/>
+          </a:xfrm>
+          <a:prstGeom prst="rect">
+            <a:avLst/>
+          </a:prstGeom>
+          <a:noFill/>
+        </p:spPr>
+        <p:txBody>
+          <a:bodyPr wrap="square" rtlCol="0">
+            <a:spAutoFit/>
+          </a:bodyPr>
+          <a:lstStyle/>
+          <a:p>
+            <a:r>
+              <a:rPr lang="en-US" sz="2800" dirty="0" smtClean="0"/>
+              <a:t>Hagen</a:t>
+            </a:r>
+            <a:endParaRPr lang="en-US" sz="2800" dirty="0"/>
+          </a:p>
+        </p:txBody>
+      </p:sp>
+      <p:sp>
+        <p:nvSpPr>
+          <p:cNvPr id="11" name="TextBox 10"/>
+          <p:cNvSpPr txBox="1"/>
+          <p:nvPr/>
+        </p:nvSpPr>
+        <p:spPr>
+          <a:xfrm>
+            <a:off x="2922536" y="5186409"/>
+            <a:ext cx="1466850" cy="523220"/>
+          </a:xfrm>
+          <a:prstGeom prst="rect">
+            <a:avLst/>
+          </a:prstGeom>
+          <a:noFill/>
+        </p:spPr>
+        <p:txBody>
+          <a:bodyPr wrap="square" rtlCol="0">
+            <a:spAutoFit/>
+          </a:bodyPr>
+          <a:lstStyle/>
+          <a:p>
+            <a:r>
+              <a:rPr lang="en-US" sz="2800" dirty="0" smtClean="0"/>
+              <a:t>DAISIE</a:t>
+            </a:r>
+            <a:endParaRPr lang="en-US" sz="2800" dirty="0"/>
+          </a:p>
+        </p:txBody>
+      </p:sp>
+      <p:pic>
+        <p:nvPicPr>
+          <p:cNvPr id="1026" name="Picture 2" descr="https://lh6.googleusercontent.com/WiW--Vm7N1igaONsnSJkMLshD_OLJmR3GXzQzD_Xu7D_WkavGwJtv3pcYbjeXfsNxb1bPzYrW9_qG5SsSv0BZ2MFh_Ep0Qgtxt-MXUPspLwr8IgVfm1K7tFuCxGlMkXkYOJwYoYq"/>
+          <p:cNvPicPr>
+            <a:picLocks noChangeAspect="1" noChangeArrowheads="1"/>
+          </p:cNvPicPr>
+          <p:nvPr/>
+        </p:nvPicPr>
+        <p:blipFill>
+          <a:blip r:embed="rId2" cstate="print">
+            <a:extLst>
+              <a:ext uri="{28A0092B-C50C-407E-A947-70E740481C1C}">
+                <a14:useLocalDpi xmlns:a14="http://schemas.microsoft.com/office/drawing/2010/main" val="0"/>
+              </a:ext>
+            </a:extLst>
+          </a:blip>
+          <a:srcRect/>
+          <a:stretch>
+            <a:fillRect/>
+          </a:stretch>
+        </p:blipFill>
+        <p:spPr bwMode="auto">
+          <a:xfrm>
+            <a:off x="6452461" y="5581480"/>
+            <a:ext cx="1677266" cy="1118178"/>
+          </a:xfrm>
+          <a:prstGeom prst="rect">
+            <a:avLst/>
+          </a:prstGeom>
+          <a:noFill/>
+          <a:extLst>
+            <a:ext uri="{909E8E84-426E-40DD-AFC4-6F175D3DCCD1}">
+              <a14:hiddenFill xmlns:a14="http://schemas.microsoft.com/office/drawing/2010/main">
+                <a:solidFill>
+                  <a:srgbClr val="FFFFFF"/>
+                </a:solidFill>
+              </a14:hiddenFill>
+            </a:ext>
+          </a:extLst>
+        </p:spPr>
+      </p:pic>
+      <p:pic>
+        <p:nvPicPr>
+          <p:cNvPr id="1028" name="Picture 4" descr="https://lh4.googleusercontent.com/vQwjtwOtsX4NAFnm6Kty12pPgWYwXy18ahUH-iGEid1zTJqft4gxsNpjTDjvz1nc3T853AhB4ggjjLycwY-YpJF7ZvkyzUjjR5FykN8ZKryE3o7BNfpOCsxzL8Kd-Zd5JNZp0d-y"/>
+          <p:cNvPicPr>
+            <a:picLocks noChangeAspect="1" noChangeArrowheads="1"/>
+          </p:cNvPicPr>
+          <p:nvPr/>
+        </p:nvPicPr>
+        <p:blipFill>
+          <a:blip r:embed="rId3" cstate="print">
+            <a:extLst>
+              <a:ext uri="{28A0092B-C50C-407E-A947-70E740481C1C}">
+                <a14:useLocalDpi xmlns:a14="http://schemas.microsoft.com/office/drawing/2010/main" val="0"/>
+              </a:ext>
+            </a:extLst>
+          </a:blip>
+          <a:srcRect/>
+          <a:stretch>
+            <a:fillRect/>
+          </a:stretch>
+        </p:blipFill>
+        <p:spPr bwMode="auto">
+          <a:xfrm>
+            <a:off x="6188364" y="1529450"/>
+            <a:ext cx="2914649" cy="1121019"/>
+          </a:xfrm>
+          <a:prstGeom prst="rect">
+            <a:avLst/>
+          </a:prstGeom>
+          <a:noFill/>
+          <a:extLst>
+            <a:ext uri="{909E8E84-426E-40DD-AFC4-6F175D3DCCD1}">
+              <a14:hiddenFill xmlns:a14="http://schemas.microsoft.com/office/drawing/2010/main">
+                <a:solidFill>
+                  <a:srgbClr val="FFFFFF"/>
+                </a:solidFill>
+              </a14:hiddenFill>
+            </a:ext>
+          </a:extLst>
+        </p:spPr>
+      </p:pic>
+      <p:pic>
+        <p:nvPicPr>
+          <p:cNvPr id="1030" name="Picture 6" descr="https://lh6.googleusercontent.com/TENjI8q8eBhZXPhKdOHJjgxwrpSCrLx8bHDaV4dB57qKUmvmVbBfkbelfrCuFjplsN08zhlFS03p0Yu_kZwYdZtAioM4Ak-8DyVfQyi0pn13UYFFFjd3DNQhJk0F7YhqphaRqrqg"/>
+          <p:cNvPicPr>
+            <a:picLocks noChangeAspect="1" noChangeArrowheads="1"/>
+          </p:cNvPicPr>
+          <p:nvPr/>
+        </p:nvPicPr>
+        <p:blipFill>
+          <a:blip r:embed="rId4">
+            <a:extLst>
+              <a:ext uri="{28A0092B-C50C-407E-A947-70E740481C1C}">
+                <a14:useLocalDpi xmlns:a14="http://schemas.microsoft.com/office/drawing/2010/main" val="0"/>
+              </a:ext>
+            </a:extLst>
+          </a:blip>
+          <a:srcRect/>
+          <a:stretch>
+            <a:fillRect/>
+          </a:stretch>
+        </p:blipFill>
+        <p:spPr bwMode="auto">
+          <a:xfrm>
+            <a:off x="3755493" y="1006230"/>
+            <a:ext cx="2279863" cy="1570038"/>
+          </a:xfrm>
+          <a:prstGeom prst="rect">
+            <a:avLst/>
+          </a:prstGeom>
+          <a:noFill/>
+          <a:extLst>
+            <a:ext uri="{909E8E84-426E-40DD-AFC4-6F175D3DCCD1}">
+              <a14:hiddenFill xmlns:a14="http://schemas.microsoft.com/office/drawing/2010/main">
+                <a:solidFill>
+                  <a:srgbClr val="FFFFFF"/>
+                </a:solidFill>
+              </a14:hiddenFill>
+            </a:ext>
+          </a:extLst>
+        </p:spPr>
+      </p:pic>
+      <p:pic>
+        <p:nvPicPr>
+          <p:cNvPr id="1032" name="Picture 8" descr="https://lh6.googleusercontent.com/W0c_4uD5xT5YEBt43kEfaZbWHdProjgq7hosHjTOesE-kf98eCpfNFMXJRNcb5E0ZFnMUowvUuAf_IklLZh4_YbXtEBEJvw_0-6JUYXrBZ_xzR7I3tiB1bgm7qCKItsCGC6iYrlA"/>
+          <p:cNvPicPr>
+            <a:picLocks noChangeAspect="1" noChangeArrowheads="1"/>
+          </p:cNvPicPr>
+          <p:nvPr/>
+        </p:nvPicPr>
+        <p:blipFill>
+          <a:blip r:embed="rId5" cstate="print">
+            <a:extLst>
+              <a:ext uri="{28A0092B-C50C-407E-A947-70E740481C1C}">
+                <a14:useLocalDpi xmlns:a14="http://schemas.microsoft.com/office/drawing/2010/main" val="0"/>
+              </a:ext>
+            </a:extLst>
+          </a:blip>
+          <a:srcRect/>
+          <a:stretch>
+            <a:fillRect/>
+          </a:stretch>
+        </p:blipFill>
+        <p:spPr bwMode="auto">
+          <a:xfrm>
+            <a:off x="6990109" y="3464923"/>
+            <a:ext cx="1793181" cy="1485036"/>
+          </a:xfrm>
+          <a:prstGeom prst="rect">
+            <a:avLst/>
+          </a:prstGeom>
+          <a:noFill/>
+          <a:extLst>
+            <a:ext uri="{909E8E84-426E-40DD-AFC4-6F175D3DCCD1}">
+              <a14:hiddenFill xmlns:a14="http://schemas.microsoft.com/office/drawing/2010/main">
+                <a:solidFill>
+                  <a:srgbClr val="FFFFFF"/>
+                </a:solidFill>
+              </a14:hiddenFill>
+            </a:ext>
+          </a:extLst>
+        </p:spPr>
+      </p:pic>
+      <p:pic>
+        <p:nvPicPr>
+          <p:cNvPr id="1034" name="Picture 10" descr="https://lh5.googleusercontent.com/Slk2tTnpktNW1UIXA3vQXBeDoMtOI7NNIlbUeNFOtVPqthgr_VIdL5OD17vwV5PXYFM5jJ0fLg0mEQ-5wjGnUBLdADvir8GOvMi1eYou8qGTAcRJg_jGXMwm_JYw_T8Qr0EIgFXX"/>
+          <p:cNvPicPr>
+            <a:picLocks noChangeAspect="1" noChangeArrowheads="1"/>
+          </p:cNvPicPr>
+          <p:nvPr/>
+        </p:nvPicPr>
+        <p:blipFill>
+          <a:blip r:embed="rId6" cstate="print">
+            <a:extLst>
+              <a:ext uri="{28A0092B-C50C-407E-A947-70E740481C1C}">
+                <a14:useLocalDpi xmlns:a14="http://schemas.microsoft.com/office/drawing/2010/main" val="0"/>
+              </a:ext>
+            </a:extLst>
+          </a:blip>
+          <a:srcRect/>
+          <a:stretch>
+            <a:fillRect/>
+          </a:stretch>
+        </p:blipFill>
+        <p:spPr bwMode="auto">
+          <a:xfrm>
+            <a:off x="609600" y="1286290"/>
+            <a:ext cx="1925421" cy="1753147"/>
+          </a:xfrm>
+          <a:prstGeom prst="rect">
+            <a:avLst/>
+          </a:prstGeom>
+          <a:noFill/>
+          <a:extLst>
+            <a:ext uri="{909E8E84-426E-40DD-AFC4-6F175D3DCCD1}">
+              <a14:hiddenFill xmlns:a14="http://schemas.microsoft.com/office/drawing/2010/main">
+                <a:solidFill>
+                  <a:srgbClr val="FFFFFF"/>
+                </a:solidFill>
+              </a14:hiddenFill>
+            </a:ext>
+          </a:extLst>
+        </p:spPr>
+      </p:pic>
+      <p:pic>
+        <p:nvPicPr>
+          <p:cNvPr id="12" name="Picture 11"/>
+          <p:cNvPicPr>
+            <a:picLocks noChangeAspect="1"/>
+          </p:cNvPicPr>
+          <p:nvPr/>
+        </p:nvPicPr>
+        <p:blipFill>
+          <a:blip r:embed="rId7"/>
+          <a:stretch>
+            <a:fillRect/>
+          </a:stretch>
+        </p:blipFill>
+        <p:spPr>
+          <a:xfrm>
+            <a:off x="235547" y="3839172"/>
+            <a:ext cx="2395275" cy="1606000"/>
+          </a:xfrm>
+          <a:prstGeom prst="rect">
+            <a:avLst/>
+          </a:prstGeom>
+        </p:spPr>
+      </p:pic>
+      <p:sp>
+        <p:nvSpPr>
+          <p:cNvPr id="18" name="TextBox 17"/>
+          <p:cNvSpPr txBox="1"/>
+          <p:nvPr/>
+        </p:nvSpPr>
+        <p:spPr>
+          <a:xfrm>
+            <a:off x="7205241" y="2926215"/>
+            <a:ext cx="1417781" cy="523220"/>
+          </a:xfrm>
+          <a:prstGeom prst="rect">
+            <a:avLst/>
+          </a:prstGeom>
+          <a:noFill/>
+        </p:spPr>
+        <p:txBody>
+          <a:bodyPr wrap="square" rtlCol="0">
+            <a:spAutoFit/>
+          </a:bodyPr>
+          <a:lstStyle/>
+          <a:p>
+            <a:r>
+              <a:rPr lang="en-US" sz="2800" dirty="0" smtClean="0"/>
+              <a:t>Hartig</a:t>
+            </a:r>
+            <a:endParaRPr lang="en-US" sz="2800" dirty="0"/>
+          </a:p>
+        </p:txBody>
+      </p:sp>
+      <p:pic>
+        <p:nvPicPr>
+          <p:cNvPr id="1036" name="Picture 12" descr="urn:x-wiley:1461023X:media:ele12461:ele12461-math-0005"/>
+          <p:cNvPicPr>
+            <a:picLocks noChangeAspect="1" noChangeArrowheads="1"/>
+          </p:cNvPicPr>
+          <p:nvPr/>
+        </p:nvPicPr>
+        <p:blipFill>
+          <a:blip r:embed="rId8">
+            <a:extLst>
+              <a:ext uri="{28A0092B-C50C-407E-A947-70E740481C1C}">
+                <a14:useLocalDpi xmlns:a14="http://schemas.microsoft.com/office/drawing/2010/main" val="0"/>
+              </a:ext>
+            </a:extLst>
+          </a:blip>
+          <a:srcRect/>
+          <a:stretch>
+            <a:fillRect/>
+          </a:stretch>
+        </p:blipFill>
+        <p:spPr bwMode="auto">
+          <a:xfrm>
+            <a:off x="2274064" y="5709629"/>
+            <a:ext cx="3075527" cy="1084064"/>
+          </a:xfrm>
+          <a:prstGeom prst="rect">
+            <a:avLst/>
+          </a:prstGeom>
+          <a:noFill/>
+          <a:extLst>
+            <a:ext uri="{909E8E84-426E-40DD-AFC4-6F175D3DCCD1}">
+              <a14:hiddenFill xmlns:a14="http://schemas.microsoft.com/office/drawing/2010/main">
+                <a:solidFill>
+                  <a:srgbClr val="FFFFFF"/>
+                </a:solidFill>
+              </a14:hiddenFill>
+            </a:ext>
+          </a:extLst>
+        </p:spPr>
+      </p:pic>
+      <p:pic>
+        <p:nvPicPr>
+          <p:cNvPr id="13" name="Picture 12"/>
+          <p:cNvPicPr>
+            <a:picLocks noChangeAspect="1"/>
+          </p:cNvPicPr>
+          <p:nvPr/>
+        </p:nvPicPr>
+        <p:blipFill>
+          <a:blip r:embed="rId9"/>
+          <a:stretch>
+            <a:fillRect/>
+          </a:stretch>
+        </p:blipFill>
+        <p:spPr>
+          <a:xfrm>
+            <a:off x="3973054" y="3357211"/>
+            <a:ext cx="1482896" cy="1552683"/>
+          </a:xfrm>
+          <a:prstGeom prst="rect">
+            <a:avLst/>
+          </a:prstGeom>
+        </p:spPr>
+      </p:pic>
+    </p:spTree>
+    <p:extLst>
+      <p:ext uri="{BB962C8B-B14F-4D97-AF65-F5344CB8AC3E}">
+        <p14:creationId xmlns:p14="http://schemas.microsoft.com/office/powerpoint/2010/main" val="3915594294"/>
+      </p:ext>
+    </p:extLst>
+  </p:cSld>
+  <p:clrMapOvr>
+    <a:masterClrMapping/>
+  </p:clrMapOvr>
+</p:sld>
+</file>
+
+<file path=ppt/slides/slide3.xml><?xml version="1.0" encoding="utf-8"?>
+<p:sld xmlns:a="http://schemas.openxmlformats.org/drawingml/2006/main" xmlns:r="http://schemas.openxmlformats.org/officeDocument/2006/relationships" xmlns:p="http://schemas.openxmlformats.org/presentationml/2006/main">
+  <p:cSld>
+    <p:spTree>
+      <p:nvGrpSpPr>
+        <p:cNvPr id="1" name=""/>
+        <p:cNvGrpSpPr/>
+        <p:nvPr/>
+      </p:nvGrpSpPr>
+      <p:grpSpPr>
+        <a:xfrm>
+          <a:off x="0" y="0"/>
+          <a:ext cx="0" cy="0"/>
+          <a:chOff x="0" y="0"/>
+          <a:chExt cx="0" cy="0"/>
+        </a:xfrm>
+      </p:grpSpPr>
+      <p:pic>
+        <p:nvPicPr>
+          <p:cNvPr id="4" name="Picture 3"/>
+          <p:cNvPicPr>
+            <a:picLocks noChangeAspect="1"/>
+          </p:cNvPicPr>
+          <p:nvPr/>
+        </p:nvPicPr>
+        <p:blipFill>
+          <a:blip r:embed="rId2"/>
+          <a:stretch>
+            <a:fillRect/>
+          </a:stretch>
+        </p:blipFill>
+        <p:spPr>
+          <a:xfrm>
+            <a:off x="1427915" y="482140"/>
+            <a:ext cx="6024253" cy="4450077"/>
+          </a:xfrm>
+          <a:prstGeom prst="rect">
+            <a:avLst/>
+          </a:prstGeom>
+        </p:spPr>
+      </p:pic>
+      <p:sp>
+        <p:nvSpPr>
+          <p:cNvPr id="5" name="TextBox 4"/>
+          <p:cNvSpPr txBox="1"/>
+          <p:nvPr/>
+        </p:nvSpPr>
+        <p:spPr>
+          <a:xfrm>
+            <a:off x="323273" y="5394036"/>
+            <a:ext cx="8174182" cy="954107"/>
+          </a:xfrm>
+          <a:prstGeom prst="rect">
+            <a:avLst/>
+          </a:prstGeom>
+          <a:noFill/>
+        </p:spPr>
+        <p:txBody>
+          <a:bodyPr wrap="square" rtlCol="0">
+            <a:spAutoFit/>
+          </a:bodyPr>
+          <a:lstStyle/>
+          <a:p>
+            <a:r>
+              <a:rPr lang="en-US" sz="2800" dirty="0" smtClean="0"/>
+              <a:t>Variation in patterns due to implementation decisions inhibits the inference of process from pattern</a:t>
+            </a:r>
+            <a:endParaRPr lang="en-US" sz="2800" dirty="0"/>
+          </a:p>
+        </p:txBody>
+      </p:sp>
+    </p:spTree>
+    <p:extLst>
+      <p:ext uri="{BB962C8B-B14F-4D97-AF65-F5344CB8AC3E}">
+        <p14:creationId xmlns:p14="http://schemas.microsoft.com/office/powerpoint/2010/main" val="2227417011"/>
+      </p:ext>
+    </p:extLst>
+  </p:cSld>
+  <p:clrMapOvr>
+    <a:masterClrMapping/>
+  </p:clrMapOvr>
+</p:sld>
+</file>
+
+<file path=ppt/slides/slide4.xml><?xml version="1.0" encoding="utf-8"?>
+<p:sld xmlns:a="http://schemas.openxmlformats.org/drawingml/2006/main" xmlns:r="http://schemas.openxmlformats.org/officeDocument/2006/relationships" xmlns:p="http://schemas.openxmlformats.org/presentationml/2006/main">
+  <p:cSld>
+    <p:spTree>
+      <p:nvGrpSpPr>
+        <p:cNvPr id="1" name=""/>
+        <p:cNvGrpSpPr/>
+        <p:nvPr/>
+      </p:nvGrpSpPr>
+      <p:grpSpPr>
+        <a:xfrm>
+          <a:off x="0" y="0"/>
+          <a:ext cx="0" cy="0"/>
+          <a:chOff x="0" y="0"/>
+          <a:chExt cx="0" cy="0"/>
+        </a:xfrm>
+      </p:grpSpPr>
+      <p:pic>
+        <p:nvPicPr>
+          <p:cNvPr id="4" name="Picture 3"/>
+          <p:cNvPicPr>
+            <a:picLocks noChangeAspect="1"/>
+          </p:cNvPicPr>
+          <p:nvPr/>
+        </p:nvPicPr>
+        <p:blipFill>
+          <a:blip r:embed="rId2"/>
+          <a:stretch>
+            <a:fillRect/>
+          </a:stretch>
+        </p:blipFill>
+        <p:spPr>
+          <a:xfrm>
+            <a:off x="1427915" y="482140"/>
+            <a:ext cx="6024253" cy="4450077"/>
+          </a:xfrm>
+          <a:prstGeom prst="rect">
+            <a:avLst/>
+          </a:prstGeom>
+        </p:spPr>
+      </p:pic>
+      <p:sp>
+        <p:nvSpPr>
+          <p:cNvPr id="5" name="TextBox 4"/>
+          <p:cNvSpPr txBox="1"/>
+          <p:nvPr/>
+        </p:nvSpPr>
+        <p:spPr>
+          <a:xfrm>
+            <a:off x="352950" y="5061527"/>
+            <a:ext cx="8174182" cy="461665"/>
+          </a:xfrm>
+          <a:prstGeom prst="rect">
+            <a:avLst/>
+          </a:prstGeom>
+          <a:noFill/>
+        </p:spPr>
+        <p:txBody>
+          <a:bodyPr wrap="square" rtlCol="0">
+            <a:spAutoFit/>
+          </a:bodyPr>
+          <a:lstStyle/>
+          <a:p>
+            <a:r>
+              <a:rPr lang="en-US" sz="2400" dirty="0" smtClean="0"/>
+              <a:t>Model 1 and Model 2 implement the same process differently</a:t>
+            </a:r>
+            <a:endParaRPr lang="en-US" sz="2400" dirty="0"/>
+          </a:p>
+        </p:txBody>
+      </p:sp>
+      <p:sp>
+        <p:nvSpPr>
+          <p:cNvPr id="2" name="Oval 1"/>
+          <p:cNvSpPr/>
+          <p:nvPr/>
+        </p:nvSpPr>
+        <p:spPr>
+          <a:xfrm>
+            <a:off x="1427915" y="1819564"/>
+            <a:ext cx="3051721" cy="868218"/>
+          </a:xfrm>
+          <a:prstGeom prst="ellipse">
+            <a:avLst/>
+          </a:prstGeom>
+          <a:noFill/>
+          <a:ln w="57150">
+            <a:solidFill>
+              <a:srgbClr val="FF0000"/>
+            </a:solidFill>
+          </a:ln>
+        </p:spPr>
+        <p:style>
+          <a:lnRef idx="2">
+            <a:schemeClr val="accent1">
+              <a:shade val="50000"/>
+            </a:schemeClr>
+          </a:lnRef>
+          <a:fillRef idx="1">
+            <a:schemeClr val="accent1"/>
+          </a:fillRef>
+          <a:effectRef idx="0">
+            <a:schemeClr val="accent1"/>
+          </a:effectRef>
+          <a:fontRef idx="minor">
+            <a:schemeClr val="lt1"/>
+          </a:fontRef>
+        </p:style>
+        <p:txBody>
+          <a:bodyPr rtlCol="0" anchor="ctr"/>
+          <a:lstStyle/>
+          <a:p>
+            <a:pPr algn="ctr"/>
+            <a:endParaRPr lang="en-US"/>
+          </a:p>
+        </p:txBody>
+      </p:sp>
+      <p:sp>
+        <p:nvSpPr>
+          <p:cNvPr id="6" name="TextBox 5"/>
+          <p:cNvSpPr txBox="1"/>
+          <p:nvPr/>
+        </p:nvSpPr>
+        <p:spPr>
+          <a:xfrm>
+            <a:off x="780044" y="1524077"/>
+            <a:ext cx="1295741" cy="461665"/>
+          </a:xfrm>
+          <a:prstGeom prst="rect">
+            <a:avLst/>
+          </a:prstGeom>
+          <a:noFill/>
+        </p:spPr>
+        <p:txBody>
+          <a:bodyPr wrap="square" rtlCol="0">
+            <a:spAutoFit/>
+          </a:bodyPr>
+          <a:lstStyle/>
+          <a:p>
+            <a:r>
+              <a:rPr lang="en-US" sz="2400" dirty="0" smtClean="0">
+                <a:solidFill>
+                  <a:srgbClr val="00B0F0"/>
+                </a:solidFill>
+              </a:rPr>
+              <a:t>Model 1</a:t>
+            </a:r>
+            <a:endParaRPr lang="en-US" sz="2400" dirty="0">
+              <a:solidFill>
+                <a:srgbClr val="00B0F0"/>
+              </a:solidFill>
+            </a:endParaRPr>
+          </a:p>
+        </p:txBody>
+      </p:sp>
+      <p:sp>
+        <p:nvSpPr>
+          <p:cNvPr id="7" name="TextBox 6"/>
+          <p:cNvSpPr txBox="1"/>
+          <p:nvPr/>
+        </p:nvSpPr>
+        <p:spPr>
+          <a:xfrm>
+            <a:off x="3601753" y="1524077"/>
+            <a:ext cx="1295741" cy="461665"/>
+          </a:xfrm>
+          <a:prstGeom prst="rect">
+            <a:avLst/>
+          </a:prstGeom>
+          <a:noFill/>
+        </p:spPr>
+        <p:txBody>
+          <a:bodyPr wrap="square" rtlCol="0">
+            <a:spAutoFit/>
+          </a:bodyPr>
+          <a:lstStyle/>
+          <a:p>
+            <a:r>
+              <a:rPr lang="en-US" sz="2400" dirty="0" smtClean="0">
+                <a:solidFill>
+                  <a:srgbClr val="7030A0"/>
+                </a:solidFill>
+              </a:rPr>
+              <a:t>Model 2</a:t>
+            </a:r>
+            <a:endParaRPr lang="en-US" sz="2400" dirty="0">
+              <a:solidFill>
+                <a:srgbClr val="7030A0"/>
+              </a:solidFill>
+            </a:endParaRPr>
+          </a:p>
+        </p:txBody>
+      </p:sp>
+    </p:spTree>
+    <p:extLst>
+      <p:ext uri="{BB962C8B-B14F-4D97-AF65-F5344CB8AC3E}">
+        <p14:creationId xmlns:p14="http://schemas.microsoft.com/office/powerpoint/2010/main" val="953902252"/>
+      </p:ext>
+    </p:extLst>
+  </p:cSld>
+  <p:clrMapOvr>
+    <a:masterClrMapping/>
+  </p:clrMapOvr>
+</p:sld>
+</file>
+
+<file path=ppt/slides/slide5.xml><?xml version="1.0" encoding="utf-8"?>
+<p:sld xmlns:a="http://schemas.openxmlformats.org/drawingml/2006/main" xmlns:r="http://schemas.openxmlformats.org/officeDocument/2006/relationships" xmlns:p="http://schemas.openxmlformats.org/presentationml/2006/main">
+  <p:cSld>
+    <p:spTree>
+      <p:nvGrpSpPr>
+        <p:cNvPr id="1" name=""/>
+        <p:cNvGrpSpPr/>
+        <p:nvPr/>
+      </p:nvGrpSpPr>
+      <p:grpSpPr>
+        <a:xfrm>
+          <a:off x="0" y="0"/>
+          <a:ext cx="0" cy="0"/>
+          <a:chOff x="0" y="0"/>
+          <a:chExt cx="0" cy="0"/>
+        </a:xfrm>
+      </p:grpSpPr>
+      <p:pic>
+        <p:nvPicPr>
+          <p:cNvPr id="4" name="Picture 3"/>
+          <p:cNvPicPr>
+            <a:picLocks noChangeAspect="1"/>
+          </p:cNvPicPr>
+          <p:nvPr/>
+        </p:nvPicPr>
+        <p:blipFill>
+          <a:blip r:embed="rId2"/>
+          <a:stretch>
+            <a:fillRect/>
+          </a:stretch>
+        </p:blipFill>
+        <p:spPr>
+          <a:xfrm>
+            <a:off x="1427915" y="482140"/>
+            <a:ext cx="6024253" cy="4450077"/>
+          </a:xfrm>
+          <a:prstGeom prst="rect">
+            <a:avLst/>
+          </a:prstGeom>
+        </p:spPr>
+      </p:pic>
+      <p:sp>
+        <p:nvSpPr>
+          <p:cNvPr id="5" name="TextBox 4"/>
+          <p:cNvSpPr txBox="1"/>
+          <p:nvPr/>
+        </p:nvSpPr>
+        <p:spPr>
+          <a:xfrm>
+            <a:off x="352950" y="5061527"/>
+            <a:ext cx="8174182" cy="1569660"/>
+          </a:xfrm>
+          <a:prstGeom prst="rect">
+            <a:avLst/>
+          </a:prstGeom>
+          <a:noFill/>
+        </p:spPr>
+        <p:txBody>
+          <a:bodyPr wrap="square" rtlCol="0">
+            <a:spAutoFit/>
+          </a:bodyPr>
+          <a:lstStyle/>
+          <a:p>
+            <a:r>
+              <a:rPr lang="en-US" sz="2400" dirty="0" smtClean="0"/>
+              <a:t>Model 1 and Model 2 implement the same process differently</a:t>
+            </a:r>
+          </a:p>
+          <a:p>
+            <a:endParaRPr lang="en-US" sz="2400" dirty="0"/>
+          </a:p>
+          <a:p>
+            <a:r>
+              <a:rPr lang="en-US" sz="2400" dirty="0" smtClean="0"/>
+              <a:t>Metric 1 based on branch lengths is </a:t>
+            </a:r>
+            <a:r>
+              <a:rPr lang="en-US" sz="2400" b="1" dirty="0" smtClean="0"/>
+              <a:t>sensitive to this difference</a:t>
+            </a:r>
+          </a:p>
+          <a:p>
+            <a:r>
+              <a:rPr lang="en-US" sz="2400" dirty="0" smtClean="0"/>
+              <a:t>Metric 2 based on topology is </a:t>
+            </a:r>
+            <a:r>
+              <a:rPr lang="en-US" sz="2400" b="1" dirty="0" smtClean="0"/>
+              <a:t>robust to this difference</a:t>
+            </a:r>
+            <a:endParaRPr lang="en-US" sz="2400" b="1" dirty="0"/>
+          </a:p>
+        </p:txBody>
+      </p:sp>
+      <p:sp>
+        <p:nvSpPr>
+          <p:cNvPr id="2" name="Oval 1"/>
+          <p:cNvSpPr/>
+          <p:nvPr/>
+        </p:nvSpPr>
+        <p:spPr>
+          <a:xfrm>
+            <a:off x="1427915" y="1819564"/>
+            <a:ext cx="3051721" cy="868218"/>
+          </a:xfrm>
+          <a:prstGeom prst="ellipse">
+            <a:avLst/>
+          </a:prstGeom>
+          <a:noFill/>
+          <a:ln w="57150">
+            <a:solidFill>
+              <a:srgbClr val="FF0000"/>
+            </a:solidFill>
+          </a:ln>
+        </p:spPr>
+        <p:style>
+          <a:lnRef idx="2">
+            <a:schemeClr val="accent1">
+              <a:shade val="50000"/>
+            </a:schemeClr>
+          </a:lnRef>
+          <a:fillRef idx="1">
+            <a:schemeClr val="accent1"/>
+          </a:fillRef>
+          <a:effectRef idx="0">
+            <a:schemeClr val="accent1"/>
+          </a:effectRef>
+          <a:fontRef idx="minor">
+            <a:schemeClr val="lt1"/>
+          </a:fontRef>
+        </p:style>
+        <p:txBody>
+          <a:bodyPr rtlCol="0" anchor="ctr"/>
+          <a:lstStyle/>
+          <a:p>
+            <a:pPr algn="ctr"/>
+            <a:endParaRPr lang="en-US"/>
+          </a:p>
+        </p:txBody>
+      </p:sp>
+      <p:sp>
+        <p:nvSpPr>
+          <p:cNvPr id="6" name="TextBox 5"/>
+          <p:cNvSpPr txBox="1"/>
+          <p:nvPr/>
+        </p:nvSpPr>
+        <p:spPr>
+          <a:xfrm>
+            <a:off x="780044" y="1524077"/>
+            <a:ext cx="1295741" cy="461665"/>
+          </a:xfrm>
+          <a:prstGeom prst="rect">
+            <a:avLst/>
+          </a:prstGeom>
+          <a:noFill/>
+        </p:spPr>
+        <p:txBody>
+          <a:bodyPr wrap="square" rtlCol="0">
+            <a:spAutoFit/>
+          </a:bodyPr>
+          <a:lstStyle/>
+          <a:p>
+            <a:r>
+              <a:rPr lang="en-US" sz="2400" dirty="0" smtClean="0">
+                <a:solidFill>
+                  <a:srgbClr val="00B0F0"/>
+                </a:solidFill>
+              </a:rPr>
+              <a:t>Model 1</a:t>
+            </a:r>
+            <a:endParaRPr lang="en-US" sz="2400" dirty="0">
+              <a:solidFill>
+                <a:srgbClr val="00B0F0"/>
+              </a:solidFill>
+            </a:endParaRPr>
+          </a:p>
+        </p:txBody>
+      </p:sp>
+      <p:sp>
+        <p:nvSpPr>
+          <p:cNvPr id="7" name="TextBox 6"/>
+          <p:cNvSpPr txBox="1"/>
+          <p:nvPr/>
+        </p:nvSpPr>
+        <p:spPr>
+          <a:xfrm>
+            <a:off x="3601753" y="1524077"/>
+            <a:ext cx="1295741" cy="461665"/>
+          </a:xfrm>
+          <a:prstGeom prst="rect">
+            <a:avLst/>
+          </a:prstGeom>
+          <a:noFill/>
+        </p:spPr>
+        <p:txBody>
+          <a:bodyPr wrap="square" rtlCol="0">
+            <a:spAutoFit/>
+          </a:bodyPr>
+          <a:lstStyle/>
+          <a:p>
+            <a:r>
+              <a:rPr lang="en-US" sz="2400" dirty="0" smtClean="0">
+                <a:solidFill>
+                  <a:srgbClr val="7030A0"/>
+                </a:solidFill>
+              </a:rPr>
+              <a:t>Model 2</a:t>
+            </a:r>
+            <a:endParaRPr lang="en-US" sz="2400" dirty="0">
+              <a:solidFill>
+                <a:srgbClr val="7030A0"/>
+              </a:solidFill>
+            </a:endParaRPr>
+          </a:p>
+        </p:txBody>
+      </p:sp>
+      <p:sp>
+        <p:nvSpPr>
+          <p:cNvPr id="8" name="Oval 7"/>
+          <p:cNvSpPr/>
+          <p:nvPr/>
+        </p:nvSpPr>
+        <p:spPr>
+          <a:xfrm>
+            <a:off x="1312460" y="3323166"/>
+            <a:ext cx="3231831" cy="1452034"/>
+          </a:xfrm>
+          <a:prstGeom prst="ellipse">
+            <a:avLst/>
+          </a:prstGeom>
+          <a:noFill/>
+          <a:ln w="57150">
+            <a:solidFill>
+              <a:srgbClr val="FFC000"/>
+            </a:solidFill>
+          </a:ln>
+        </p:spPr>
+        <p:style>
+          <a:lnRef idx="2">
+            <a:schemeClr val="accent1">
+              <a:shade val="50000"/>
+            </a:schemeClr>
+          </a:lnRef>
+          <a:fillRef idx="1">
+            <a:schemeClr val="accent1"/>
+          </a:fillRef>
+          <a:effectRef idx="0">
+            <a:schemeClr val="accent1"/>
+          </a:effectRef>
+          <a:fontRef idx="minor">
+            <a:schemeClr val="lt1"/>
+          </a:fontRef>
+        </p:style>
+        <p:txBody>
+          <a:bodyPr rtlCol="0" anchor="ctr"/>
+          <a:lstStyle/>
+          <a:p>
+            <a:pPr algn="ctr"/>
+            <a:endParaRPr lang="en-US"/>
+          </a:p>
+        </p:txBody>
+      </p:sp>
+    </p:spTree>
+    <p:extLst>
+      <p:ext uri="{BB962C8B-B14F-4D97-AF65-F5344CB8AC3E}">
+        <p14:creationId xmlns:p14="http://schemas.microsoft.com/office/powerpoint/2010/main" val="1243260492"/>
+      </p:ext>
+    </p:extLst>
+  </p:cSld>
+  <p:clrMapOvr>
+    <a:masterClrMapping/>
+  </p:clrMapOvr>
+</p:sld>
+</file>
+
+<file path=ppt/slides/slide6.xml><?xml version="1.0" encoding="utf-8"?>
+<p:sld xmlns:a="http://schemas.openxmlformats.org/drawingml/2006/main" xmlns:r="http://schemas.openxmlformats.org/officeDocument/2006/relationships" xmlns:p="http://schemas.openxmlformats.org/presentationml/2006/main">
+  <p:cSld>
+    <p:spTree>
+      <p:nvGrpSpPr>
+        <p:cNvPr id="1" name=""/>
+        <p:cNvGrpSpPr/>
+        <p:nvPr/>
+      </p:nvGrpSpPr>
+      <p:grpSpPr>
+        <a:xfrm>
+          <a:off x="0" y="0"/>
+          <a:ext cx="0" cy="0"/>
+          <a:chOff x="0" y="0"/>
+          <a:chExt cx="0" cy="0"/>
+        </a:xfrm>
+      </p:grpSpPr>
+      <p:pic>
+        <p:nvPicPr>
+          <p:cNvPr id="1026" name="Picture 2" descr="Topologies of the phylogenetic trees used to construct the composite phylogeny. (a) Gilbert (1967: fig. 4) based on morphology; (b) Compagno (1988: fig. 21.10c) based on morphology; (c) Lavery (1992: fig. 1) based on isozymes; (d) Naylor (1992: fig. 3c) based on isozymes; (e) Martin (1993: fig. 1) based on mitochondrial DNA sequences.Â "/>
+          <p:cNvPicPr>
+            <a:picLocks noChangeAspect="1" noChangeArrowheads="1"/>
+          </p:cNvPicPr>
+          <p:nvPr/>
+        </p:nvPicPr>
+        <p:blipFill rotWithShape="1">
+          <a:blip r:embed="rId2" cstate="print">
+            <a:extLst>
+              <a:ext uri="{28A0092B-C50C-407E-A947-70E740481C1C}">
+                <a14:useLocalDpi xmlns:a14="http://schemas.microsoft.com/office/drawing/2010/main" val="0"/>
+              </a:ext>
+            </a:extLst>
+          </a:blip>
+          <a:srcRect b="32784"/>
+          <a:stretch/>
+        </p:blipFill>
+        <p:spPr bwMode="auto">
+          <a:xfrm>
+            <a:off x="250186" y="592410"/>
+            <a:ext cx="4094024" cy="2463718"/>
+          </a:xfrm>
+          <a:prstGeom prst="rect">
+            <a:avLst/>
+          </a:prstGeom>
+          <a:noFill/>
+          <a:extLst>
+            <a:ext uri="{909E8E84-426E-40DD-AFC4-6F175D3DCCD1}">
+              <a14:hiddenFill xmlns:a14="http://schemas.microsoft.com/office/drawing/2010/main">
+                <a:solidFill>
+                  <a:srgbClr val="FFFFFF"/>
+                </a:solidFill>
+              </a14:hiddenFill>
+            </a:ext>
+          </a:extLst>
+        </p:spPr>
+      </p:pic>
+      <p:sp>
+        <p:nvSpPr>
+          <p:cNvPr id="42" name="Rectangle 41"/>
+          <p:cNvSpPr/>
+          <p:nvPr/>
+        </p:nvSpPr>
+        <p:spPr>
+          <a:xfrm>
+            <a:off x="3809383" y="663417"/>
+            <a:ext cx="496808" cy="2392711"/>
+          </a:xfrm>
+          <a:prstGeom prst="rect">
+            <a:avLst/>
+          </a:prstGeom>
+          <a:solidFill>
+            <a:schemeClr val="bg1"/>
+          </a:solidFill>
+          <a:ln>
+            <a:solidFill>
+              <a:schemeClr val="bg1"/>
+            </a:solidFill>
+          </a:ln>
+        </p:spPr>
+        <p:style>
+          <a:lnRef idx="2">
+            <a:schemeClr val="accent1">
+              <a:shade val="50000"/>
+            </a:schemeClr>
+          </a:lnRef>
+          <a:fillRef idx="1">
+            <a:schemeClr val="accent1"/>
+          </a:fillRef>
+          <a:effectRef idx="0">
+            <a:schemeClr val="accent1"/>
+          </a:effectRef>
+          <a:fontRef idx="minor">
+            <a:schemeClr val="lt1"/>
+          </a:fontRef>
+        </p:style>
+        <p:txBody>
+          <a:bodyPr rtlCol="0" anchor="ctr"/>
+          <a:lstStyle/>
+          <a:p>
+            <a:pPr algn="ctr"/>
+            <a:endParaRPr lang="en-US"/>
+          </a:p>
+        </p:txBody>
+      </p:sp>
+      <p:sp>
+        <p:nvSpPr>
+          <p:cNvPr id="44" name="Rectangle 43"/>
+          <p:cNvSpPr/>
+          <p:nvPr/>
+        </p:nvSpPr>
+        <p:spPr>
+          <a:xfrm>
+            <a:off x="1785599" y="554943"/>
+            <a:ext cx="709522" cy="2539229"/>
+          </a:xfrm>
+          <a:prstGeom prst="rect">
+            <a:avLst/>
+          </a:prstGeom>
+          <a:solidFill>
+            <a:schemeClr val="bg1"/>
+          </a:solidFill>
+          <a:ln>
+            <a:solidFill>
+              <a:schemeClr val="bg1"/>
+            </a:solidFill>
+          </a:ln>
+        </p:spPr>
+        <p:style>
+          <a:lnRef idx="2">
+            <a:schemeClr val="accent1">
+              <a:shade val="50000"/>
+            </a:schemeClr>
+          </a:lnRef>
+          <a:fillRef idx="1">
+            <a:schemeClr val="accent1"/>
+          </a:fillRef>
+          <a:effectRef idx="0">
+            <a:schemeClr val="accent1"/>
+          </a:effectRef>
+          <a:fontRef idx="minor">
+            <a:schemeClr val="lt1"/>
+          </a:fontRef>
+        </p:style>
+        <p:txBody>
+          <a:bodyPr rtlCol="0" anchor="ctr"/>
+          <a:lstStyle/>
+          <a:p>
+            <a:pPr algn="ctr"/>
+            <a:endParaRPr lang="en-US"/>
+          </a:p>
+        </p:txBody>
+      </p:sp>
+      <p:sp>
+        <p:nvSpPr>
+          <p:cNvPr id="45" name="Rectangle 44"/>
+          <p:cNvSpPr/>
+          <p:nvPr/>
+        </p:nvSpPr>
+        <p:spPr>
+          <a:xfrm>
+            <a:off x="263845" y="529420"/>
+            <a:ext cx="136667" cy="2230989"/>
+          </a:xfrm>
+          <a:prstGeom prst="rect">
+            <a:avLst/>
+          </a:prstGeom>
+          <a:solidFill>
+            <a:schemeClr val="bg1"/>
+          </a:solidFill>
+          <a:ln>
+            <a:solidFill>
+              <a:schemeClr val="bg1"/>
+            </a:solidFill>
+          </a:ln>
+        </p:spPr>
+        <p:style>
+          <a:lnRef idx="2">
+            <a:schemeClr val="accent1">
+              <a:shade val="50000"/>
+            </a:schemeClr>
+          </a:lnRef>
+          <a:fillRef idx="1">
+            <a:schemeClr val="accent1"/>
+          </a:fillRef>
+          <a:effectRef idx="0">
+            <a:schemeClr val="accent1"/>
+          </a:effectRef>
+          <a:fontRef idx="minor">
+            <a:schemeClr val="lt1"/>
+          </a:fontRef>
+        </p:style>
+        <p:txBody>
+          <a:bodyPr rtlCol="0" anchor="ctr"/>
+          <a:lstStyle/>
+          <a:p>
+            <a:pPr algn="ctr"/>
+            <a:endParaRPr lang="en-US"/>
+          </a:p>
+        </p:txBody>
+      </p:sp>
+      <p:sp>
+        <p:nvSpPr>
+          <p:cNvPr id="43" name="TextBox 42"/>
+          <p:cNvSpPr txBox="1"/>
+          <p:nvPr/>
+        </p:nvSpPr>
+        <p:spPr>
+          <a:xfrm>
+            <a:off x="68272" y="0"/>
+            <a:ext cx="4300149" cy="461665"/>
+          </a:xfrm>
+          <a:prstGeom prst="rect">
+            <a:avLst/>
+          </a:prstGeom>
+          <a:noFill/>
+        </p:spPr>
+        <p:txBody>
+          <a:bodyPr wrap="square" rtlCol="0">
+            <a:spAutoFit/>
+          </a:bodyPr>
+          <a:lstStyle/>
+          <a:p>
+            <a:r>
+              <a:rPr lang="en-US" sz="2400" dirty="0" smtClean="0"/>
+              <a:t>1) Collate simulated phylogenies</a:t>
+            </a:r>
+            <a:endParaRPr lang="en-US" sz="2400" dirty="0"/>
+          </a:p>
+        </p:txBody>
+      </p:sp>
+    </p:spTree>
+    <p:extLst>
+      <p:ext uri="{BB962C8B-B14F-4D97-AF65-F5344CB8AC3E}">
+        <p14:creationId xmlns:p14="http://schemas.microsoft.com/office/powerpoint/2010/main" val="3490102645"/>
+      </p:ext>
+    </p:extLst>
+  </p:cSld>
+  <p:clrMapOvr>
+    <a:masterClrMapping/>
+  </p:clrMapOvr>
+</p:sld>
+</file>
+
+<file path=ppt/slides/slide7.xml><?xml version="1.0" encoding="utf-8"?>
+<p:sld xmlns:a="http://schemas.openxmlformats.org/drawingml/2006/main" xmlns:r="http://schemas.openxmlformats.org/officeDocument/2006/relationships" xmlns:p="http://schemas.openxmlformats.org/presentationml/2006/main">
+  <p:cSld>
+    <p:spTree>
+      <p:nvGrpSpPr>
+        <p:cNvPr id="1" name=""/>
+        <p:cNvGrpSpPr/>
+        <p:nvPr/>
+      </p:nvGrpSpPr>
+      <p:grpSpPr>
+        <a:xfrm>
+          <a:off x="0" y="0"/>
+          <a:ext cx="0" cy="0"/>
+          <a:chOff x="0" y="0"/>
+          <a:chExt cx="0" cy="0"/>
+        </a:xfrm>
+      </p:grpSpPr>
+      <p:sp>
+        <p:nvSpPr>
+          <p:cNvPr id="4" name="Rectangle 3"/>
+          <p:cNvSpPr/>
+          <p:nvPr/>
+        </p:nvSpPr>
+        <p:spPr>
+          <a:xfrm>
+            <a:off x="6400800" y="745078"/>
+            <a:ext cx="2570672" cy="2349094"/>
+          </a:xfrm>
+          <a:prstGeom prst="rect">
+            <a:avLst/>
+          </a:prstGeom>
+          <a:noFill/>
+          <a:ln>
+            <a:solidFill>
+              <a:schemeClr val="tx1"/>
+            </a:solidFill>
+          </a:ln>
+        </p:spPr>
+        <p:style>
+          <a:lnRef idx="2">
+            <a:schemeClr val="accent1">
+              <a:shade val="50000"/>
+            </a:schemeClr>
+          </a:lnRef>
+          <a:fillRef idx="1">
+            <a:schemeClr val="accent1"/>
+          </a:fillRef>
+          <a:effectRef idx="0">
+            <a:schemeClr val="accent1"/>
+          </a:effectRef>
+          <a:fontRef idx="minor">
+            <a:schemeClr val="lt1"/>
+          </a:fontRef>
+        </p:style>
+        <p:txBody>
+          <a:bodyPr rtlCol="0" anchor="ctr"/>
+          <a:lstStyle/>
+          <a:p>
+            <a:pPr algn="ctr"/>
+            <a:endParaRPr lang="en-US"/>
+          </a:p>
+        </p:txBody>
+      </p:sp>
+      <p:sp>
+        <p:nvSpPr>
+          <p:cNvPr id="5" name="TextBox 4"/>
+          <p:cNvSpPr txBox="1"/>
+          <p:nvPr/>
+        </p:nvSpPr>
+        <p:spPr>
+          <a:xfrm>
+            <a:off x="6828861" y="3056128"/>
+            <a:ext cx="1800814" cy="369332"/>
+          </a:xfrm>
+          <a:prstGeom prst="rect">
+            <a:avLst/>
+          </a:prstGeom>
+          <a:noFill/>
+        </p:spPr>
+        <p:txBody>
+          <a:bodyPr wrap="none" rtlCol="0">
+            <a:spAutoFit/>
+          </a:bodyPr>
+          <a:lstStyle/>
+          <a:p>
+            <a:r>
+              <a:rPr lang="en-US" dirty="0" smtClean="0"/>
+              <a:t>Tree shape PCA 1</a:t>
+            </a:r>
+            <a:endParaRPr lang="en-US" dirty="0"/>
+          </a:p>
+        </p:txBody>
+      </p:sp>
+      <p:sp>
+        <p:nvSpPr>
+          <p:cNvPr id="6" name="TextBox 5"/>
+          <p:cNvSpPr txBox="1"/>
+          <p:nvPr/>
+        </p:nvSpPr>
+        <p:spPr>
+          <a:xfrm rot="16200000">
+            <a:off x="5317774" y="1828745"/>
+            <a:ext cx="1800814" cy="369332"/>
+          </a:xfrm>
+          <a:prstGeom prst="rect">
+            <a:avLst/>
+          </a:prstGeom>
+          <a:noFill/>
+        </p:spPr>
+        <p:txBody>
+          <a:bodyPr wrap="none" rtlCol="0">
+            <a:spAutoFit/>
+          </a:bodyPr>
+          <a:lstStyle/>
+          <a:p>
+            <a:r>
+              <a:rPr lang="en-US" dirty="0" smtClean="0"/>
+              <a:t>Tree shape PCA 2</a:t>
+            </a:r>
+            <a:endParaRPr lang="en-US" dirty="0"/>
+          </a:p>
+        </p:txBody>
+      </p:sp>
+      <p:sp>
+        <p:nvSpPr>
+          <p:cNvPr id="7" name="Oval 6"/>
+          <p:cNvSpPr/>
+          <p:nvPr/>
+        </p:nvSpPr>
+        <p:spPr>
+          <a:xfrm>
+            <a:off x="8384876" y="1236784"/>
+            <a:ext cx="138023" cy="112143"/>
+          </a:xfrm>
+          <a:prstGeom prst="ellipse">
+            <a:avLst/>
+          </a:prstGeom>
+        </p:spPr>
+        <p:style>
+          <a:lnRef idx="2">
+            <a:schemeClr val="accent1">
+              <a:shade val="50000"/>
+            </a:schemeClr>
+          </a:lnRef>
+          <a:fillRef idx="1">
+            <a:schemeClr val="accent1"/>
+          </a:fillRef>
+          <a:effectRef idx="0">
+            <a:schemeClr val="accent1"/>
+          </a:effectRef>
+          <a:fontRef idx="minor">
+            <a:schemeClr val="lt1"/>
+          </a:fontRef>
+        </p:style>
+        <p:txBody>
+          <a:bodyPr rtlCol="0" anchor="ctr"/>
+          <a:lstStyle/>
+          <a:p>
+            <a:pPr algn="ctr"/>
+            <a:endParaRPr lang="en-US"/>
+          </a:p>
+        </p:txBody>
+      </p:sp>
+      <p:sp>
+        <p:nvSpPr>
+          <p:cNvPr id="8" name="Oval 7"/>
+          <p:cNvSpPr/>
+          <p:nvPr/>
+        </p:nvSpPr>
+        <p:spPr>
+          <a:xfrm>
+            <a:off x="8537276" y="1389184"/>
+            <a:ext cx="138023" cy="112143"/>
+          </a:xfrm>
+          <a:prstGeom prst="ellipse">
+            <a:avLst/>
+          </a:prstGeom>
+        </p:spPr>
+        <p:style>
+          <a:lnRef idx="2">
+            <a:schemeClr val="accent1">
+              <a:shade val="50000"/>
+            </a:schemeClr>
+          </a:lnRef>
+          <a:fillRef idx="1">
+            <a:schemeClr val="accent1"/>
+          </a:fillRef>
+          <a:effectRef idx="0">
+            <a:schemeClr val="accent1"/>
+          </a:effectRef>
+          <a:fontRef idx="minor">
+            <a:schemeClr val="lt1"/>
+          </a:fontRef>
+        </p:style>
+        <p:txBody>
+          <a:bodyPr rtlCol="0" anchor="ctr"/>
+          <a:lstStyle/>
+          <a:p>
+            <a:pPr algn="ctr"/>
+            <a:endParaRPr lang="en-US"/>
+          </a:p>
+        </p:txBody>
+      </p:sp>
+      <p:sp>
+        <p:nvSpPr>
+          <p:cNvPr id="9" name="Oval 8"/>
+          <p:cNvSpPr/>
+          <p:nvPr/>
+        </p:nvSpPr>
+        <p:spPr>
+          <a:xfrm>
+            <a:off x="7030528" y="2246074"/>
+            <a:ext cx="138023" cy="112143"/>
+          </a:xfrm>
+          <a:prstGeom prst="ellipse">
+            <a:avLst/>
+          </a:prstGeom>
+        </p:spPr>
+        <p:style>
+          <a:lnRef idx="2">
+            <a:schemeClr val="accent1">
+              <a:shade val="50000"/>
+            </a:schemeClr>
+          </a:lnRef>
+          <a:fillRef idx="1">
+            <a:schemeClr val="accent1"/>
+          </a:fillRef>
+          <a:effectRef idx="0">
+            <a:schemeClr val="accent1"/>
+          </a:effectRef>
+          <a:fontRef idx="minor">
+            <a:schemeClr val="lt1"/>
+          </a:fontRef>
+        </p:style>
+        <p:txBody>
+          <a:bodyPr rtlCol="0" anchor="ctr"/>
+          <a:lstStyle/>
+          <a:p>
+            <a:pPr algn="ctr"/>
+            <a:endParaRPr lang="en-US"/>
+          </a:p>
+        </p:txBody>
+      </p:sp>
+      <p:sp>
+        <p:nvSpPr>
+          <p:cNvPr id="10" name="Oval 9"/>
+          <p:cNvSpPr/>
+          <p:nvPr/>
+        </p:nvSpPr>
+        <p:spPr>
+          <a:xfrm>
+            <a:off x="7660257" y="2302145"/>
+            <a:ext cx="138023" cy="112143"/>
+          </a:xfrm>
+          <a:prstGeom prst="ellipse">
+            <a:avLst/>
+          </a:prstGeom>
+        </p:spPr>
+        <p:style>
+          <a:lnRef idx="2">
+            <a:schemeClr val="accent1">
+              <a:shade val="50000"/>
+            </a:schemeClr>
+          </a:lnRef>
+          <a:fillRef idx="1">
+            <a:schemeClr val="accent1"/>
+          </a:fillRef>
+          <a:effectRef idx="0">
+            <a:schemeClr val="accent1"/>
+          </a:effectRef>
+          <a:fontRef idx="minor">
+            <a:schemeClr val="lt1"/>
+          </a:fontRef>
+        </p:style>
+        <p:txBody>
+          <a:bodyPr rtlCol="0" anchor="ctr"/>
+          <a:lstStyle/>
+          <a:p>
+            <a:pPr algn="ctr"/>
+            <a:endParaRPr lang="en-US"/>
+          </a:p>
+        </p:txBody>
+      </p:sp>
+      <p:sp>
+        <p:nvSpPr>
+          <p:cNvPr id="11" name="Oval 10"/>
+          <p:cNvSpPr/>
+          <p:nvPr/>
+        </p:nvSpPr>
+        <p:spPr>
+          <a:xfrm>
+            <a:off x="7168551" y="1292855"/>
+            <a:ext cx="138023" cy="112143"/>
+          </a:xfrm>
+          <a:prstGeom prst="ellipse">
+            <a:avLst/>
+          </a:prstGeom>
+        </p:spPr>
+        <p:style>
+          <a:lnRef idx="2">
+            <a:schemeClr val="accent1">
+              <a:shade val="50000"/>
+            </a:schemeClr>
+          </a:lnRef>
+          <a:fillRef idx="1">
+            <a:schemeClr val="accent1"/>
+          </a:fillRef>
+          <a:effectRef idx="0">
+            <a:schemeClr val="accent1"/>
+          </a:effectRef>
+          <a:fontRef idx="minor">
+            <a:schemeClr val="lt1"/>
+          </a:fontRef>
+        </p:style>
+        <p:txBody>
+          <a:bodyPr rtlCol="0" anchor="ctr"/>
+          <a:lstStyle/>
+          <a:p>
+            <a:pPr algn="ctr"/>
+            <a:endParaRPr lang="en-US"/>
+          </a:p>
+        </p:txBody>
+      </p:sp>
+      <p:sp>
+        <p:nvSpPr>
+          <p:cNvPr id="12" name="Oval 11"/>
+          <p:cNvSpPr/>
+          <p:nvPr/>
+        </p:nvSpPr>
+        <p:spPr>
+          <a:xfrm>
+            <a:off x="7320951" y="1445255"/>
+            <a:ext cx="138023" cy="112143"/>
+          </a:xfrm>
+          <a:prstGeom prst="ellipse">
+            <a:avLst/>
+          </a:prstGeom>
+          <a:solidFill>
+            <a:srgbClr val="FF0000"/>
+          </a:solidFill>
+          <a:ln>
+            <a:solidFill>
+              <a:srgbClr val="FF0000"/>
+            </a:solidFill>
+          </a:ln>
+        </p:spPr>
+        <p:style>
+          <a:lnRef idx="2">
+            <a:schemeClr val="accent1">
+              <a:shade val="50000"/>
+            </a:schemeClr>
+          </a:lnRef>
+          <a:fillRef idx="1">
+            <a:schemeClr val="accent1"/>
+          </a:fillRef>
+          <a:effectRef idx="0">
+            <a:schemeClr val="accent1"/>
+          </a:effectRef>
+          <a:fontRef idx="minor">
+            <a:schemeClr val="lt1"/>
+          </a:fontRef>
+        </p:style>
+        <p:txBody>
+          <a:bodyPr rtlCol="0" anchor="ctr"/>
+          <a:lstStyle/>
+          <a:p>
+            <a:pPr algn="ctr"/>
+            <a:endParaRPr lang="en-US"/>
+          </a:p>
+        </p:txBody>
+      </p:sp>
+      <p:sp>
+        <p:nvSpPr>
+          <p:cNvPr id="13" name="Oval 12"/>
+          <p:cNvSpPr/>
+          <p:nvPr/>
+        </p:nvSpPr>
+        <p:spPr>
+          <a:xfrm>
+            <a:off x="8246853" y="934860"/>
+            <a:ext cx="138023" cy="112143"/>
+          </a:xfrm>
+          <a:prstGeom prst="ellipse">
+            <a:avLst/>
+          </a:prstGeom>
+          <a:solidFill>
+            <a:srgbClr val="FF0000"/>
+          </a:solidFill>
+          <a:ln>
+            <a:solidFill>
+              <a:srgbClr val="FF0000"/>
+            </a:solidFill>
+          </a:ln>
+        </p:spPr>
+        <p:style>
+          <a:lnRef idx="2">
+            <a:schemeClr val="accent1">
+              <a:shade val="50000"/>
+            </a:schemeClr>
+          </a:lnRef>
+          <a:fillRef idx="1">
+            <a:schemeClr val="accent1"/>
+          </a:fillRef>
+          <a:effectRef idx="0">
+            <a:schemeClr val="accent1"/>
+          </a:effectRef>
+          <a:fontRef idx="minor">
+            <a:schemeClr val="lt1"/>
+          </a:fontRef>
+        </p:style>
+        <p:txBody>
+          <a:bodyPr rtlCol="0" anchor="ctr"/>
+          <a:lstStyle/>
+          <a:p>
+            <a:pPr algn="ctr"/>
+            <a:endParaRPr lang="en-US"/>
+          </a:p>
+        </p:txBody>
+      </p:sp>
+      <p:sp>
+        <p:nvSpPr>
+          <p:cNvPr id="14" name="Oval 13"/>
+          <p:cNvSpPr/>
+          <p:nvPr/>
+        </p:nvSpPr>
+        <p:spPr>
+          <a:xfrm>
+            <a:off x="8108830" y="2078912"/>
+            <a:ext cx="138023" cy="112143"/>
+          </a:xfrm>
+          <a:prstGeom prst="ellipse">
+            <a:avLst/>
+          </a:prstGeom>
+          <a:solidFill>
+            <a:srgbClr val="FF0000"/>
+          </a:solidFill>
+          <a:ln>
+            <a:solidFill>
+              <a:srgbClr val="FF0000"/>
+            </a:solidFill>
+          </a:ln>
+        </p:spPr>
+        <p:style>
+          <a:lnRef idx="2">
+            <a:schemeClr val="accent1">
+              <a:shade val="50000"/>
+            </a:schemeClr>
+          </a:lnRef>
+          <a:fillRef idx="1">
+            <a:schemeClr val="accent1"/>
+          </a:fillRef>
+          <a:effectRef idx="0">
+            <a:schemeClr val="accent1"/>
+          </a:effectRef>
+          <a:fontRef idx="minor">
+            <a:schemeClr val="lt1"/>
+          </a:fontRef>
+        </p:style>
+        <p:txBody>
+          <a:bodyPr rtlCol="0" anchor="ctr"/>
+          <a:lstStyle/>
+          <a:p>
+            <a:pPr algn="ctr"/>
+            <a:endParaRPr lang="en-US"/>
+          </a:p>
+        </p:txBody>
+      </p:sp>
+      <p:sp>
+        <p:nvSpPr>
+          <p:cNvPr id="15" name="Oval 14"/>
+          <p:cNvSpPr/>
+          <p:nvPr/>
+        </p:nvSpPr>
+        <p:spPr>
+          <a:xfrm>
+            <a:off x="8453886" y="2621708"/>
+            <a:ext cx="138023" cy="112143"/>
+          </a:xfrm>
+          <a:prstGeom prst="ellipse">
+            <a:avLst/>
+          </a:prstGeom>
+          <a:solidFill>
+            <a:srgbClr val="FF0000"/>
+          </a:solidFill>
+          <a:ln>
+            <a:solidFill>
+              <a:srgbClr val="FF0000"/>
+            </a:solidFill>
+          </a:ln>
+        </p:spPr>
+        <p:style>
+          <a:lnRef idx="2">
+            <a:schemeClr val="accent1">
+              <a:shade val="50000"/>
+            </a:schemeClr>
+          </a:lnRef>
+          <a:fillRef idx="1">
+            <a:schemeClr val="accent1"/>
+          </a:fillRef>
+          <a:effectRef idx="0">
+            <a:schemeClr val="accent1"/>
+          </a:effectRef>
+          <a:fontRef idx="minor">
+            <a:schemeClr val="lt1"/>
+          </a:fontRef>
+        </p:style>
+        <p:txBody>
+          <a:bodyPr rtlCol="0" anchor="ctr"/>
+          <a:lstStyle/>
+          <a:p>
+            <a:pPr algn="ctr"/>
+            <a:endParaRPr lang="en-US"/>
+          </a:p>
+        </p:txBody>
+      </p:sp>
+      <p:sp>
+        <p:nvSpPr>
+          <p:cNvPr id="16" name="Oval 15"/>
+          <p:cNvSpPr/>
+          <p:nvPr/>
+        </p:nvSpPr>
+        <p:spPr>
+          <a:xfrm>
+            <a:off x="8713065" y="1669927"/>
+            <a:ext cx="138023" cy="112143"/>
+          </a:xfrm>
+          <a:prstGeom prst="ellipse">
+            <a:avLst/>
+          </a:prstGeom>
+          <a:solidFill>
+            <a:srgbClr val="FF0000"/>
+          </a:solidFill>
+          <a:ln>
+            <a:solidFill>
+              <a:srgbClr val="FF0000"/>
+            </a:solidFill>
+          </a:ln>
+        </p:spPr>
+        <p:style>
+          <a:lnRef idx="2">
+            <a:schemeClr val="accent1">
+              <a:shade val="50000"/>
+            </a:schemeClr>
+          </a:lnRef>
+          <a:fillRef idx="1">
+            <a:schemeClr val="accent1"/>
+          </a:fillRef>
+          <a:effectRef idx="0">
+            <a:schemeClr val="accent1"/>
+          </a:effectRef>
+          <a:fontRef idx="minor">
+            <a:schemeClr val="lt1"/>
+          </a:fontRef>
+        </p:style>
+        <p:txBody>
+          <a:bodyPr rtlCol="0" anchor="ctr"/>
+          <a:lstStyle/>
+          <a:p>
+            <a:pPr algn="ctr"/>
+            <a:endParaRPr lang="en-US"/>
+          </a:p>
+        </p:txBody>
+      </p:sp>
+      <p:sp>
+        <p:nvSpPr>
+          <p:cNvPr id="17" name="Isosceles Triangle 16"/>
+          <p:cNvSpPr/>
+          <p:nvPr/>
+        </p:nvSpPr>
+        <p:spPr>
+          <a:xfrm>
+            <a:off x="6731479" y="2703082"/>
+            <a:ext cx="146649" cy="152400"/>
+          </a:xfrm>
+          <a:prstGeom prst="triangle">
+            <a:avLst/>
+          </a:prstGeom>
+          <a:solidFill>
+            <a:srgbClr val="92D050"/>
+          </a:solidFill>
+          <a:ln>
+            <a:solidFill>
+              <a:srgbClr val="92D050"/>
+            </a:solidFill>
+          </a:ln>
+        </p:spPr>
+        <p:style>
+          <a:lnRef idx="2">
+            <a:schemeClr val="accent1">
+              <a:shade val="50000"/>
+            </a:schemeClr>
+          </a:lnRef>
+          <a:fillRef idx="1">
+            <a:schemeClr val="accent1"/>
+          </a:fillRef>
+          <a:effectRef idx="0">
+            <a:schemeClr val="accent1"/>
+          </a:effectRef>
+          <a:fontRef idx="minor">
+            <a:schemeClr val="lt1"/>
+          </a:fontRef>
+        </p:style>
+        <p:txBody>
+          <a:bodyPr rtlCol="0" anchor="ctr"/>
+          <a:lstStyle/>
+          <a:p>
+            <a:pPr algn="ctr"/>
+            <a:endParaRPr lang="en-US"/>
+          </a:p>
+        </p:txBody>
+      </p:sp>
+      <p:sp>
+        <p:nvSpPr>
+          <p:cNvPr id="18" name="Isosceles Triangle 17"/>
+          <p:cNvSpPr/>
+          <p:nvPr/>
+        </p:nvSpPr>
+        <p:spPr>
+          <a:xfrm>
+            <a:off x="6505756" y="1937211"/>
+            <a:ext cx="146649" cy="152400"/>
+          </a:xfrm>
+          <a:prstGeom prst="triangle">
+            <a:avLst/>
+          </a:prstGeom>
+          <a:solidFill>
+            <a:srgbClr val="92D050"/>
+          </a:solidFill>
+          <a:ln>
+            <a:solidFill>
+              <a:srgbClr val="92D050"/>
+            </a:solidFill>
+          </a:ln>
+        </p:spPr>
+        <p:style>
+          <a:lnRef idx="2">
+            <a:schemeClr val="accent1">
+              <a:shade val="50000"/>
+            </a:schemeClr>
+          </a:lnRef>
+          <a:fillRef idx="1">
+            <a:schemeClr val="accent1"/>
+          </a:fillRef>
+          <a:effectRef idx="0">
+            <a:schemeClr val="accent1"/>
+          </a:effectRef>
+          <a:fontRef idx="minor">
+            <a:schemeClr val="lt1"/>
+          </a:fontRef>
+        </p:style>
+        <p:txBody>
+          <a:bodyPr rtlCol="0" anchor="ctr"/>
+          <a:lstStyle/>
+          <a:p>
+            <a:pPr algn="ctr"/>
+            <a:endParaRPr lang="en-US"/>
+          </a:p>
+        </p:txBody>
+      </p:sp>
+      <p:sp>
+        <p:nvSpPr>
+          <p:cNvPr id="19" name="Isosceles Triangle 18"/>
+          <p:cNvSpPr/>
+          <p:nvPr/>
+        </p:nvSpPr>
+        <p:spPr>
+          <a:xfrm>
+            <a:off x="7458974" y="2733851"/>
+            <a:ext cx="146649" cy="152400"/>
+          </a:xfrm>
+          <a:prstGeom prst="triangle">
+            <a:avLst/>
+          </a:prstGeom>
+          <a:solidFill>
+            <a:srgbClr val="92D050"/>
+          </a:solidFill>
+          <a:ln>
+            <a:solidFill>
+              <a:srgbClr val="92D050"/>
+            </a:solidFill>
+          </a:ln>
+        </p:spPr>
+        <p:style>
+          <a:lnRef idx="2">
+            <a:schemeClr val="accent1">
+              <a:shade val="50000"/>
+            </a:schemeClr>
+          </a:lnRef>
+          <a:fillRef idx="1">
+            <a:schemeClr val="accent1"/>
+          </a:fillRef>
+          <a:effectRef idx="0">
+            <a:schemeClr val="accent1"/>
+          </a:effectRef>
+          <a:fontRef idx="minor">
+            <a:schemeClr val="lt1"/>
+          </a:fontRef>
+        </p:style>
+        <p:txBody>
+          <a:bodyPr rtlCol="0" anchor="ctr"/>
+          <a:lstStyle/>
+          <a:p>
+            <a:pPr algn="ctr"/>
+            <a:endParaRPr lang="en-US"/>
+          </a:p>
+        </p:txBody>
+      </p:sp>
+      <p:sp>
+        <p:nvSpPr>
+          <p:cNvPr id="20" name="Isosceles Triangle 19"/>
+          <p:cNvSpPr/>
+          <p:nvPr/>
+        </p:nvSpPr>
+        <p:spPr>
+          <a:xfrm>
+            <a:off x="7415841" y="1978656"/>
+            <a:ext cx="146649" cy="152400"/>
+          </a:xfrm>
+          <a:prstGeom prst="triangle">
+            <a:avLst/>
+          </a:prstGeom>
+          <a:solidFill>
+            <a:srgbClr val="92D050"/>
+          </a:solidFill>
+          <a:ln>
+            <a:solidFill>
+              <a:srgbClr val="92D050"/>
+            </a:solidFill>
+          </a:ln>
+        </p:spPr>
+        <p:style>
+          <a:lnRef idx="2">
+            <a:schemeClr val="accent1">
+              <a:shade val="50000"/>
+            </a:schemeClr>
+          </a:lnRef>
+          <a:fillRef idx="1">
+            <a:schemeClr val="accent1"/>
+          </a:fillRef>
+          <a:effectRef idx="0">
+            <a:schemeClr val="accent1"/>
+          </a:effectRef>
+          <a:fontRef idx="minor">
+            <a:schemeClr val="lt1"/>
+          </a:fontRef>
+        </p:style>
+        <p:txBody>
+          <a:bodyPr rtlCol="0" anchor="ctr"/>
+          <a:lstStyle/>
+          <a:p>
+            <a:pPr algn="ctr"/>
+            <a:endParaRPr lang="en-US"/>
+          </a:p>
+        </p:txBody>
+      </p:sp>
+      <p:sp>
+        <p:nvSpPr>
+          <p:cNvPr id="21" name="Isosceles Triangle 20"/>
+          <p:cNvSpPr/>
+          <p:nvPr/>
+        </p:nvSpPr>
+        <p:spPr>
+          <a:xfrm>
+            <a:off x="7116792" y="1523530"/>
+            <a:ext cx="146649" cy="152400"/>
+          </a:xfrm>
+          <a:prstGeom prst="triangle">
+            <a:avLst/>
+          </a:prstGeom>
+          <a:solidFill>
+            <a:srgbClr val="92D050"/>
+          </a:solidFill>
+          <a:ln>
+            <a:solidFill>
+              <a:srgbClr val="92D050"/>
+            </a:solidFill>
+          </a:ln>
+        </p:spPr>
+        <p:style>
+          <a:lnRef idx="2">
+            <a:schemeClr val="accent1">
+              <a:shade val="50000"/>
+            </a:schemeClr>
+          </a:lnRef>
+          <a:fillRef idx="1">
+            <a:schemeClr val="accent1"/>
+          </a:fillRef>
+          <a:effectRef idx="0">
+            <a:schemeClr val="accent1"/>
+          </a:effectRef>
+          <a:fontRef idx="minor">
+            <a:schemeClr val="lt1"/>
+          </a:fontRef>
+        </p:style>
+        <p:txBody>
+          <a:bodyPr rtlCol="0" anchor="ctr"/>
+          <a:lstStyle/>
+          <a:p>
+            <a:pPr algn="ctr"/>
+            <a:endParaRPr lang="en-US"/>
+          </a:p>
+        </p:txBody>
+      </p:sp>
+      <p:sp>
+        <p:nvSpPr>
+          <p:cNvPr id="22" name="Oval 21"/>
+          <p:cNvSpPr/>
+          <p:nvPr/>
+        </p:nvSpPr>
+        <p:spPr>
+          <a:xfrm>
+            <a:off x="7919241" y="1613855"/>
+            <a:ext cx="138023" cy="112143"/>
+          </a:xfrm>
+          <a:prstGeom prst="ellipse">
+            <a:avLst/>
+          </a:prstGeom>
+        </p:spPr>
+        <p:style>
+          <a:lnRef idx="2">
+            <a:schemeClr val="accent1">
+              <a:shade val="50000"/>
+            </a:schemeClr>
+          </a:lnRef>
+          <a:fillRef idx="1">
+            <a:schemeClr val="accent1"/>
+          </a:fillRef>
+          <a:effectRef idx="0">
+            <a:schemeClr val="accent1"/>
+          </a:effectRef>
+          <a:fontRef idx="minor">
+            <a:schemeClr val="lt1"/>
+          </a:fontRef>
+        </p:style>
+        <p:txBody>
+          <a:bodyPr rtlCol="0" anchor="ctr"/>
+          <a:lstStyle/>
+          <a:p>
+            <a:pPr algn="ctr"/>
+            <a:endParaRPr lang="en-US"/>
+          </a:p>
+        </p:txBody>
+      </p:sp>
+      <p:pic>
+        <p:nvPicPr>
+          <p:cNvPr id="1026" name="Picture 2" descr="Topologies of the phylogenetic trees used to construct the composite phylogeny. (a) Gilbert (1967: fig. 4) based on morphology; (b) Compagno (1988: fig. 21.10c) based on morphology; (c) Lavery (1992: fig. 1) based on isozymes; (d) Naylor (1992: fig. 3c) based on isozymes; (e) Martin (1993: fig. 1) based on mitochondrial DNA sequences.Â "/>
+          <p:cNvPicPr>
+            <a:picLocks noChangeAspect="1" noChangeArrowheads="1"/>
+          </p:cNvPicPr>
+          <p:nvPr/>
+        </p:nvPicPr>
+        <p:blipFill rotWithShape="1">
+          <a:blip r:embed="rId2" cstate="print">
+            <a:extLst>
+              <a:ext uri="{28A0092B-C50C-407E-A947-70E740481C1C}">
+                <a14:useLocalDpi xmlns:a14="http://schemas.microsoft.com/office/drawing/2010/main" val="0"/>
+              </a:ext>
+            </a:extLst>
+          </a:blip>
+          <a:srcRect b="32784"/>
+          <a:stretch/>
+        </p:blipFill>
+        <p:spPr bwMode="auto">
+          <a:xfrm>
+            <a:off x="250186" y="592410"/>
+            <a:ext cx="4094024" cy="2463718"/>
+          </a:xfrm>
+          <a:prstGeom prst="rect">
+            <a:avLst/>
+          </a:prstGeom>
+          <a:noFill/>
+          <a:extLst>
+            <a:ext uri="{909E8E84-426E-40DD-AFC4-6F175D3DCCD1}">
+              <a14:hiddenFill xmlns:a14="http://schemas.microsoft.com/office/drawing/2010/main">
+                <a:solidFill>
+                  <a:srgbClr val="FFFFFF"/>
+                </a:solidFill>
+              </a14:hiddenFill>
+            </a:ext>
+          </a:extLst>
+        </p:spPr>
+      </p:pic>
+      <p:sp>
+        <p:nvSpPr>
+          <p:cNvPr id="42" name="Rectangle 41"/>
+          <p:cNvSpPr/>
+          <p:nvPr/>
+        </p:nvSpPr>
+        <p:spPr>
+          <a:xfrm>
+            <a:off x="3809383" y="663417"/>
+            <a:ext cx="496808" cy="2392711"/>
+          </a:xfrm>
+          <a:prstGeom prst="rect">
+            <a:avLst/>
+          </a:prstGeom>
+          <a:solidFill>
+            <a:schemeClr val="bg1"/>
+          </a:solidFill>
+          <a:ln>
+            <a:solidFill>
+              <a:schemeClr val="bg1"/>
+            </a:solidFill>
+          </a:ln>
+        </p:spPr>
+        <p:style>
+          <a:lnRef idx="2">
+            <a:schemeClr val="accent1">
+              <a:shade val="50000"/>
+            </a:schemeClr>
+          </a:lnRef>
+          <a:fillRef idx="1">
+            <a:schemeClr val="accent1"/>
+          </a:fillRef>
+          <a:effectRef idx="0">
+            <a:schemeClr val="accent1"/>
+          </a:effectRef>
+          <a:fontRef idx="minor">
+            <a:schemeClr val="lt1"/>
+          </a:fontRef>
+        </p:style>
+        <p:txBody>
+          <a:bodyPr rtlCol="0" anchor="ctr"/>
+          <a:lstStyle/>
+          <a:p>
+            <a:pPr algn="ctr"/>
+            <a:endParaRPr lang="en-US"/>
+          </a:p>
+        </p:txBody>
+      </p:sp>
+      <p:sp>
+        <p:nvSpPr>
+          <p:cNvPr id="44" name="Rectangle 43"/>
+          <p:cNvSpPr/>
+          <p:nvPr/>
+        </p:nvSpPr>
+        <p:spPr>
+          <a:xfrm>
+            <a:off x="1785599" y="554943"/>
+            <a:ext cx="709522" cy="2539229"/>
+          </a:xfrm>
+          <a:prstGeom prst="rect">
+            <a:avLst/>
+          </a:prstGeom>
+          <a:solidFill>
+            <a:schemeClr val="bg1"/>
+          </a:solidFill>
+          <a:ln>
+            <a:solidFill>
+              <a:schemeClr val="bg1"/>
+            </a:solidFill>
+          </a:ln>
+        </p:spPr>
+        <p:style>
+          <a:lnRef idx="2">
+            <a:schemeClr val="accent1">
+              <a:shade val="50000"/>
+            </a:schemeClr>
+          </a:lnRef>
+          <a:fillRef idx="1">
+            <a:schemeClr val="accent1"/>
+          </a:fillRef>
+          <a:effectRef idx="0">
+            <a:schemeClr val="accent1"/>
+          </a:effectRef>
+          <a:fontRef idx="minor">
+            <a:schemeClr val="lt1"/>
+          </a:fontRef>
+        </p:style>
+        <p:txBody>
+          <a:bodyPr rtlCol="0" anchor="ctr"/>
+          <a:lstStyle/>
+          <a:p>
+            <a:pPr algn="ctr"/>
+            <a:endParaRPr lang="en-US"/>
+          </a:p>
+        </p:txBody>
+      </p:sp>
+      <p:sp>
+        <p:nvSpPr>
+          <p:cNvPr id="45" name="Rectangle 44"/>
+          <p:cNvSpPr/>
+          <p:nvPr/>
+        </p:nvSpPr>
+        <p:spPr>
+          <a:xfrm>
+            <a:off x="263845" y="529420"/>
+            <a:ext cx="136667" cy="2230989"/>
+          </a:xfrm>
+          <a:prstGeom prst="rect">
+            <a:avLst/>
+          </a:prstGeom>
+          <a:solidFill>
+            <a:schemeClr val="bg1"/>
+          </a:solidFill>
+          <a:ln>
+            <a:solidFill>
+              <a:schemeClr val="bg1"/>
+            </a:solidFill>
+          </a:ln>
+        </p:spPr>
+        <p:style>
+          <a:lnRef idx="2">
+            <a:schemeClr val="accent1">
+              <a:shade val="50000"/>
+            </a:schemeClr>
+          </a:lnRef>
+          <a:fillRef idx="1">
+            <a:schemeClr val="accent1"/>
+          </a:fillRef>
+          <a:effectRef idx="0">
+            <a:schemeClr val="accent1"/>
+          </a:effectRef>
+          <a:fontRef idx="minor">
+            <a:schemeClr val="lt1"/>
+          </a:fontRef>
+        </p:style>
+        <p:txBody>
+          <a:bodyPr rtlCol="0" anchor="ctr"/>
+          <a:lstStyle/>
+          <a:p>
+            <a:pPr algn="ctr"/>
+            <a:endParaRPr lang="en-US"/>
+          </a:p>
+        </p:txBody>
+      </p:sp>
+      <p:sp>
+        <p:nvSpPr>
+          <p:cNvPr id="43" name="TextBox 42"/>
+          <p:cNvSpPr txBox="1"/>
+          <p:nvPr/>
+        </p:nvSpPr>
+        <p:spPr>
+          <a:xfrm>
+            <a:off x="68272" y="0"/>
+            <a:ext cx="4300149" cy="461665"/>
+          </a:xfrm>
+          <a:prstGeom prst="rect">
+            <a:avLst/>
+          </a:prstGeom>
+          <a:noFill/>
+        </p:spPr>
+        <p:txBody>
+          <a:bodyPr wrap="square" rtlCol="0">
+            <a:spAutoFit/>
+          </a:bodyPr>
+          <a:lstStyle/>
+          <a:p>
+            <a:r>
+              <a:rPr lang="en-US" sz="2400" dirty="0" smtClean="0"/>
+              <a:t>1) Collate simulated phylogenies</a:t>
+            </a:r>
+            <a:endParaRPr lang="en-US" sz="2400" dirty="0"/>
+          </a:p>
+        </p:txBody>
+      </p:sp>
+      <p:sp>
+        <p:nvSpPr>
+          <p:cNvPr id="47" name="TextBox 46"/>
+          <p:cNvSpPr txBox="1"/>
+          <p:nvPr/>
+        </p:nvSpPr>
+        <p:spPr>
+          <a:xfrm>
+            <a:off x="4609513" y="-23367"/>
+            <a:ext cx="3815618" cy="830997"/>
+          </a:xfrm>
+          <a:prstGeom prst="rect">
+            <a:avLst/>
+          </a:prstGeom>
+          <a:noFill/>
+        </p:spPr>
+        <p:txBody>
+          <a:bodyPr wrap="square" rtlCol="0">
+            <a:spAutoFit/>
+          </a:bodyPr>
+          <a:lstStyle/>
+          <a:p>
+            <a:r>
+              <a:rPr lang="en-US" sz="2400" dirty="0" smtClean="0"/>
+              <a:t>2) Characterize tree shape, code by simulation attributes</a:t>
+            </a:r>
+            <a:endParaRPr lang="en-US" sz="2400" dirty="0"/>
+          </a:p>
+        </p:txBody>
+      </p:sp>
+      <p:sp>
+        <p:nvSpPr>
+          <p:cNvPr id="46" name="Right Arrow 45"/>
+          <p:cNvSpPr/>
+          <p:nvPr/>
+        </p:nvSpPr>
+        <p:spPr>
+          <a:xfrm>
+            <a:off x="4306191" y="1126442"/>
+            <a:ext cx="709618" cy="1362721"/>
+          </a:xfrm>
+          <a:prstGeom prst="rightArrow">
+            <a:avLst/>
+          </a:prstGeom>
+        </p:spPr>
+        <p:style>
+          <a:lnRef idx="2">
+            <a:schemeClr val="accent1">
+              <a:shade val="50000"/>
+            </a:schemeClr>
+          </a:lnRef>
+          <a:fillRef idx="1">
+            <a:schemeClr val="accent1"/>
+          </a:fillRef>
+          <a:effectRef idx="0">
+            <a:schemeClr val="accent1"/>
+          </a:effectRef>
+          <a:fontRef idx="minor">
+            <a:schemeClr val="lt1"/>
+          </a:fontRef>
+        </p:style>
+        <p:txBody>
+          <a:bodyPr rtlCol="0" anchor="ctr"/>
+          <a:lstStyle/>
+          <a:p>
+            <a:pPr algn="ctr"/>
+            <a:endParaRPr lang="en-US"/>
+          </a:p>
+        </p:txBody>
+      </p:sp>
+      <p:cxnSp>
+        <p:nvCxnSpPr>
+          <p:cNvPr id="51" name="Straight Arrow Connector 50"/>
+          <p:cNvCxnSpPr/>
+          <p:nvPr/>
+        </p:nvCxnSpPr>
+        <p:spPr>
+          <a:xfrm flipV="1">
+            <a:off x="7660257" y="1360574"/>
+            <a:ext cx="397007" cy="564922"/>
+          </a:xfrm>
+          <a:prstGeom prst="straightConnector1">
+            <a:avLst/>
+          </a:prstGeom>
+          <a:ln>
+            <a:solidFill>
+              <a:schemeClr val="tx1"/>
+            </a:solidFill>
+            <a:tailEnd type="triangle"/>
+          </a:ln>
+        </p:spPr>
+        <p:style>
+          <a:lnRef idx="1">
+            <a:schemeClr val="accent1"/>
+          </a:lnRef>
+          <a:fillRef idx="0">
+            <a:schemeClr val="accent1"/>
+          </a:fillRef>
+          <a:effectRef idx="0">
+            <a:schemeClr val="accent1"/>
+          </a:effectRef>
+          <a:fontRef idx="minor">
+            <a:schemeClr val="tx1"/>
+          </a:fontRef>
+        </p:style>
+      </p:cxnSp>
+      <p:cxnSp>
+        <p:nvCxnSpPr>
+          <p:cNvPr id="53" name="Straight Arrow Connector 52"/>
+          <p:cNvCxnSpPr/>
+          <p:nvPr/>
+        </p:nvCxnSpPr>
+        <p:spPr>
+          <a:xfrm flipV="1">
+            <a:off x="7660257" y="1755355"/>
+            <a:ext cx="945654" cy="164271"/>
+          </a:xfrm>
+          <a:prstGeom prst="straightConnector1">
+            <a:avLst/>
+          </a:prstGeom>
+          <a:ln>
+            <a:solidFill>
+              <a:schemeClr val="tx1"/>
+            </a:solidFill>
+            <a:tailEnd type="triangle"/>
+          </a:ln>
+        </p:spPr>
+        <p:style>
+          <a:lnRef idx="1">
+            <a:schemeClr val="accent1"/>
+          </a:lnRef>
+          <a:fillRef idx="0">
+            <a:schemeClr val="accent1"/>
+          </a:fillRef>
+          <a:effectRef idx="0">
+            <a:schemeClr val="accent1"/>
+          </a:effectRef>
+          <a:fontRef idx="minor">
+            <a:schemeClr val="tx1"/>
+          </a:fontRef>
+        </p:style>
+      </p:cxnSp>
+      <p:cxnSp>
+        <p:nvCxnSpPr>
+          <p:cNvPr id="56" name="Straight Arrow Connector 55"/>
+          <p:cNvCxnSpPr/>
+          <p:nvPr/>
+        </p:nvCxnSpPr>
+        <p:spPr>
+          <a:xfrm flipH="1" flipV="1">
+            <a:off x="7458974" y="1792930"/>
+            <a:ext cx="201283" cy="118908"/>
+          </a:xfrm>
+          <a:prstGeom prst="straightConnector1">
+            <a:avLst/>
+          </a:prstGeom>
+          <a:ln>
+            <a:solidFill>
+              <a:schemeClr val="tx1"/>
+            </a:solidFill>
+            <a:tailEnd type="triangle"/>
+          </a:ln>
+        </p:spPr>
+        <p:style>
+          <a:lnRef idx="1">
+            <a:schemeClr val="accent1"/>
+          </a:lnRef>
+          <a:fillRef idx="0">
+            <a:schemeClr val="accent1"/>
+          </a:fillRef>
+          <a:effectRef idx="0">
+            <a:schemeClr val="accent1"/>
+          </a:effectRef>
+          <a:fontRef idx="minor">
+            <a:schemeClr val="tx1"/>
+          </a:fontRef>
+        </p:style>
+      </p:cxnSp>
+      <p:cxnSp>
+        <p:nvCxnSpPr>
+          <p:cNvPr id="59" name="Straight Arrow Connector 58"/>
+          <p:cNvCxnSpPr/>
+          <p:nvPr/>
+        </p:nvCxnSpPr>
+        <p:spPr>
+          <a:xfrm flipH="1">
+            <a:off x="7237562" y="1919625"/>
+            <a:ext cx="448575" cy="284729"/>
+          </a:xfrm>
+          <a:prstGeom prst="straightConnector1">
+            <a:avLst/>
+          </a:prstGeom>
+          <a:ln>
+            <a:solidFill>
+              <a:schemeClr val="tx1"/>
+            </a:solidFill>
+            <a:tailEnd type="triangle"/>
+          </a:ln>
+        </p:spPr>
+        <p:style>
+          <a:lnRef idx="1">
+            <a:schemeClr val="accent1"/>
+          </a:lnRef>
+          <a:fillRef idx="0">
+            <a:schemeClr val="accent1"/>
+          </a:fillRef>
+          <a:effectRef idx="0">
+            <a:schemeClr val="accent1"/>
+          </a:effectRef>
+          <a:fontRef idx="minor">
+            <a:schemeClr val="tx1"/>
+          </a:fontRef>
+        </p:style>
+      </p:cxnSp>
+      <p:sp>
+        <p:nvSpPr>
+          <p:cNvPr id="62" name="Isosceles Triangle 61"/>
+          <p:cNvSpPr/>
+          <p:nvPr/>
+        </p:nvSpPr>
+        <p:spPr>
+          <a:xfrm>
+            <a:off x="6443997" y="788412"/>
+            <a:ext cx="146649" cy="152400"/>
+          </a:xfrm>
+          <a:prstGeom prst="triangle">
+            <a:avLst/>
+          </a:prstGeom>
+          <a:noFill/>
+          <a:ln>
+            <a:solidFill>
+              <a:schemeClr val="tx1"/>
+            </a:solidFill>
+          </a:ln>
+        </p:spPr>
+        <p:style>
+          <a:lnRef idx="2">
+            <a:schemeClr val="accent1">
+              <a:shade val="50000"/>
+            </a:schemeClr>
+          </a:lnRef>
+          <a:fillRef idx="1">
+            <a:schemeClr val="accent1"/>
+          </a:fillRef>
+          <a:effectRef idx="0">
+            <a:schemeClr val="accent1"/>
+          </a:effectRef>
+          <a:fontRef idx="minor">
+            <a:schemeClr val="lt1"/>
+          </a:fontRef>
+        </p:style>
+        <p:txBody>
+          <a:bodyPr rtlCol="0" anchor="ctr"/>
+          <a:lstStyle/>
+          <a:p>
+            <a:pPr algn="ctr"/>
+            <a:endParaRPr lang="en-US"/>
+          </a:p>
+        </p:txBody>
+      </p:sp>
+      <p:sp>
+        <p:nvSpPr>
+          <p:cNvPr id="63" name="Oval 62"/>
+          <p:cNvSpPr/>
+          <p:nvPr/>
+        </p:nvSpPr>
+        <p:spPr>
+          <a:xfrm>
+            <a:off x="6441057" y="1014299"/>
+            <a:ext cx="138023" cy="112143"/>
+          </a:xfrm>
+          <a:prstGeom prst="ellipse">
+            <a:avLst/>
+          </a:prstGeom>
+          <a:noFill/>
+          <a:ln>
+            <a:solidFill>
+              <a:schemeClr val="tx1"/>
+            </a:solidFill>
+          </a:ln>
+        </p:spPr>
+        <p:style>
+          <a:lnRef idx="2">
+            <a:schemeClr val="accent1">
+              <a:shade val="50000"/>
+            </a:schemeClr>
+          </a:lnRef>
+          <a:fillRef idx="1">
+            <a:schemeClr val="accent1"/>
+          </a:fillRef>
+          <a:effectRef idx="0">
+            <a:schemeClr val="accent1"/>
+          </a:effectRef>
+          <a:fontRef idx="minor">
+            <a:schemeClr val="lt1"/>
+          </a:fontRef>
+        </p:style>
+        <p:txBody>
+          <a:bodyPr rtlCol="0" anchor="ctr"/>
+          <a:lstStyle/>
+          <a:p>
+            <a:pPr algn="ctr"/>
+            <a:endParaRPr lang="en-US"/>
+          </a:p>
+        </p:txBody>
+      </p:sp>
+      <p:sp>
+        <p:nvSpPr>
+          <p:cNvPr id="61" name="TextBox 60"/>
+          <p:cNvSpPr txBox="1"/>
+          <p:nvPr/>
+        </p:nvSpPr>
+        <p:spPr>
+          <a:xfrm>
+            <a:off x="6534920" y="730459"/>
+            <a:ext cx="1543308" cy="461665"/>
+          </a:xfrm>
+          <a:prstGeom prst="rect">
+            <a:avLst/>
+          </a:prstGeom>
+          <a:noFill/>
+        </p:spPr>
+        <p:txBody>
+          <a:bodyPr wrap="none" rtlCol="0">
+            <a:spAutoFit/>
+          </a:bodyPr>
+          <a:lstStyle/>
+          <a:p>
+            <a:r>
+              <a:rPr lang="en-US" sz="1200" dirty="0" smtClean="0"/>
+              <a:t>diversity dependent</a:t>
+            </a:r>
+          </a:p>
+          <a:p>
+            <a:r>
+              <a:rPr lang="en-US" sz="1200" dirty="0" smtClean="0"/>
+              <a:t>diversity independent</a:t>
+            </a:r>
+            <a:endParaRPr lang="en-US" sz="1200" dirty="0"/>
+          </a:p>
+        </p:txBody>
+      </p:sp>
+      <p:sp>
+        <p:nvSpPr>
+          <p:cNvPr id="71" name="Oval 70"/>
+          <p:cNvSpPr/>
+          <p:nvPr/>
+        </p:nvSpPr>
+        <p:spPr>
+          <a:xfrm>
+            <a:off x="6436744" y="1177639"/>
+            <a:ext cx="138023" cy="112143"/>
+          </a:xfrm>
+          <a:prstGeom prst="ellipse">
+            <a:avLst/>
+          </a:prstGeom>
+        </p:spPr>
+        <p:style>
+          <a:lnRef idx="2">
+            <a:schemeClr val="accent1">
+              <a:shade val="50000"/>
+            </a:schemeClr>
+          </a:lnRef>
+          <a:fillRef idx="1">
+            <a:schemeClr val="accent1"/>
+          </a:fillRef>
+          <a:effectRef idx="0">
+            <a:schemeClr val="accent1"/>
+          </a:effectRef>
+          <a:fontRef idx="minor">
+            <a:schemeClr val="lt1"/>
+          </a:fontRef>
+        </p:style>
+        <p:txBody>
+          <a:bodyPr rtlCol="0" anchor="ctr"/>
+          <a:lstStyle/>
+          <a:p>
+            <a:pPr algn="ctr"/>
+            <a:endParaRPr lang="en-US"/>
+          </a:p>
+        </p:txBody>
+      </p:sp>
+      <p:sp>
+        <p:nvSpPr>
+          <p:cNvPr id="72" name="Oval 71"/>
+          <p:cNvSpPr/>
+          <p:nvPr/>
+        </p:nvSpPr>
+        <p:spPr>
+          <a:xfrm>
+            <a:off x="6434477" y="1361081"/>
+            <a:ext cx="138023" cy="112143"/>
+          </a:xfrm>
+          <a:prstGeom prst="ellipse">
+            <a:avLst/>
+          </a:prstGeom>
+          <a:solidFill>
+            <a:srgbClr val="FF0000"/>
+          </a:solidFill>
+          <a:ln>
+            <a:solidFill>
+              <a:srgbClr val="FF0000"/>
+            </a:solidFill>
+          </a:ln>
+        </p:spPr>
+        <p:style>
+          <a:lnRef idx="2">
+            <a:schemeClr val="accent1">
+              <a:shade val="50000"/>
+            </a:schemeClr>
+          </a:lnRef>
+          <a:fillRef idx="1">
+            <a:schemeClr val="accent1"/>
+          </a:fillRef>
+          <a:effectRef idx="0">
+            <a:schemeClr val="accent1"/>
+          </a:effectRef>
+          <a:fontRef idx="minor">
+            <a:schemeClr val="lt1"/>
+          </a:fontRef>
+        </p:style>
+        <p:txBody>
+          <a:bodyPr rtlCol="0" anchor="ctr"/>
+          <a:lstStyle/>
+          <a:p>
+            <a:pPr algn="ctr"/>
+            <a:endParaRPr lang="en-US"/>
+          </a:p>
+        </p:txBody>
+      </p:sp>
+      <p:sp>
+        <p:nvSpPr>
+          <p:cNvPr id="73" name="TextBox 72"/>
+          <p:cNvSpPr txBox="1"/>
+          <p:nvPr/>
+        </p:nvSpPr>
+        <p:spPr>
+          <a:xfrm>
+            <a:off x="6525718" y="1097974"/>
+            <a:ext cx="1120948" cy="461665"/>
+          </a:xfrm>
+          <a:prstGeom prst="rect">
+            <a:avLst/>
+          </a:prstGeom>
+          <a:noFill/>
+        </p:spPr>
+        <p:txBody>
+          <a:bodyPr wrap="none" rtlCol="0">
+            <a:spAutoFit/>
+          </a:bodyPr>
+          <a:lstStyle/>
+          <a:p>
+            <a:r>
+              <a:rPr lang="en-US" sz="1200" dirty="0" smtClean="0"/>
+              <a:t>point mutation</a:t>
+            </a:r>
+          </a:p>
+          <a:p>
+            <a:r>
+              <a:rPr lang="en-US" sz="1200" dirty="0" smtClean="0"/>
+              <a:t>random fission</a:t>
+            </a:r>
+            <a:endParaRPr lang="en-US" sz="1200" dirty="0"/>
+          </a:p>
+        </p:txBody>
+      </p:sp>
+    </p:spTree>
+    <p:extLst>
+      <p:ext uri="{BB962C8B-B14F-4D97-AF65-F5344CB8AC3E}">
+        <p14:creationId xmlns:p14="http://schemas.microsoft.com/office/powerpoint/2010/main" val="2694094032"/>
+      </p:ext>
+    </p:extLst>
+  </p:cSld>
+  <p:clrMapOvr>
+    <a:masterClrMapping/>
+  </p:clrMapOvr>
+</p:sld>
+</file>
+
+<file path=ppt/slides/slide8.xml><?xml version="1.0" encoding="utf-8"?>
+<p:sld xmlns:a="http://schemas.openxmlformats.org/drawingml/2006/main" xmlns:r="http://schemas.openxmlformats.org/officeDocument/2006/relationships" xmlns:p="http://schemas.openxmlformats.org/presentationml/2006/main">
+  <p:cSld>
+    <p:spTree>
+      <p:nvGrpSpPr>
+        <p:cNvPr id="1" name=""/>
+        <p:cNvGrpSpPr/>
+        <p:nvPr/>
+      </p:nvGrpSpPr>
+      <p:grpSpPr>
+        <a:xfrm>
+          <a:off x="0" y="0"/>
+          <a:ext cx="0" cy="0"/>
+          <a:chOff x="0" y="0"/>
+          <a:chExt cx="0" cy="0"/>
+        </a:xfrm>
+      </p:grpSpPr>
+      <p:sp>
+        <p:nvSpPr>
+          <p:cNvPr id="4" name="Rectangle 3"/>
+          <p:cNvSpPr/>
+          <p:nvPr/>
+        </p:nvSpPr>
+        <p:spPr>
+          <a:xfrm>
+            <a:off x="6400800" y="745078"/>
+            <a:ext cx="2570672" cy="2349094"/>
+          </a:xfrm>
+          <a:prstGeom prst="rect">
+            <a:avLst/>
+          </a:prstGeom>
+          <a:noFill/>
+          <a:ln>
+            <a:solidFill>
+              <a:schemeClr val="tx1"/>
+            </a:solidFill>
+          </a:ln>
+        </p:spPr>
+        <p:style>
+          <a:lnRef idx="2">
+            <a:schemeClr val="accent1">
+              <a:shade val="50000"/>
+            </a:schemeClr>
+          </a:lnRef>
+          <a:fillRef idx="1">
+            <a:schemeClr val="accent1"/>
+          </a:fillRef>
+          <a:effectRef idx="0">
+            <a:schemeClr val="accent1"/>
+          </a:effectRef>
+          <a:fontRef idx="minor">
+            <a:schemeClr val="lt1"/>
+          </a:fontRef>
+        </p:style>
+        <p:txBody>
+          <a:bodyPr rtlCol="0" anchor="ctr"/>
+          <a:lstStyle/>
+          <a:p>
+            <a:pPr algn="ctr"/>
+            <a:endParaRPr lang="en-US"/>
+          </a:p>
+        </p:txBody>
+      </p:sp>
+      <p:sp>
+        <p:nvSpPr>
+          <p:cNvPr id="5" name="TextBox 4"/>
+          <p:cNvSpPr txBox="1"/>
+          <p:nvPr/>
+        </p:nvSpPr>
+        <p:spPr>
+          <a:xfrm>
+            <a:off x="6828861" y="3056128"/>
+            <a:ext cx="1800814" cy="369332"/>
+          </a:xfrm>
+          <a:prstGeom prst="rect">
+            <a:avLst/>
+          </a:prstGeom>
+          <a:noFill/>
+        </p:spPr>
+        <p:txBody>
+          <a:bodyPr wrap="none" rtlCol="0">
+            <a:spAutoFit/>
+          </a:bodyPr>
+          <a:lstStyle/>
+          <a:p>
+            <a:r>
+              <a:rPr lang="en-US" dirty="0" smtClean="0"/>
+              <a:t>Tree shape PCA 1</a:t>
+            </a:r>
+            <a:endParaRPr lang="en-US" dirty="0"/>
+          </a:p>
+        </p:txBody>
+      </p:sp>
+      <p:sp>
+        <p:nvSpPr>
+          <p:cNvPr id="6" name="TextBox 5"/>
+          <p:cNvSpPr txBox="1"/>
+          <p:nvPr/>
+        </p:nvSpPr>
+        <p:spPr>
+          <a:xfrm rot="16200000">
+            <a:off x="5317774" y="1828745"/>
+            <a:ext cx="1800814" cy="369332"/>
+          </a:xfrm>
+          <a:prstGeom prst="rect">
+            <a:avLst/>
+          </a:prstGeom>
+          <a:noFill/>
+        </p:spPr>
+        <p:txBody>
+          <a:bodyPr wrap="none" rtlCol="0">
+            <a:spAutoFit/>
+          </a:bodyPr>
+          <a:lstStyle/>
+          <a:p>
+            <a:r>
+              <a:rPr lang="en-US" dirty="0" smtClean="0"/>
+              <a:t>Tree shape PCA 2</a:t>
+            </a:r>
+            <a:endParaRPr lang="en-US" dirty="0"/>
+          </a:p>
+        </p:txBody>
+      </p:sp>
+      <p:sp>
+        <p:nvSpPr>
+          <p:cNvPr id="7" name="Oval 6"/>
+          <p:cNvSpPr/>
+          <p:nvPr/>
+        </p:nvSpPr>
+        <p:spPr>
+          <a:xfrm>
+            <a:off x="8384876" y="1236784"/>
+            <a:ext cx="138023" cy="112143"/>
+          </a:xfrm>
+          <a:prstGeom prst="ellipse">
+            <a:avLst/>
+          </a:prstGeom>
+        </p:spPr>
+        <p:style>
+          <a:lnRef idx="2">
+            <a:schemeClr val="accent1">
+              <a:shade val="50000"/>
+            </a:schemeClr>
+          </a:lnRef>
+          <a:fillRef idx="1">
+            <a:schemeClr val="accent1"/>
+          </a:fillRef>
+          <a:effectRef idx="0">
+            <a:schemeClr val="accent1"/>
+          </a:effectRef>
+          <a:fontRef idx="minor">
+            <a:schemeClr val="lt1"/>
+          </a:fontRef>
+        </p:style>
+        <p:txBody>
+          <a:bodyPr rtlCol="0" anchor="ctr"/>
+          <a:lstStyle/>
+          <a:p>
+            <a:pPr algn="ctr"/>
+            <a:endParaRPr lang="en-US"/>
+          </a:p>
+        </p:txBody>
+      </p:sp>
+      <p:sp>
+        <p:nvSpPr>
+          <p:cNvPr id="8" name="Oval 7"/>
+          <p:cNvSpPr/>
+          <p:nvPr/>
+        </p:nvSpPr>
+        <p:spPr>
+          <a:xfrm>
+            <a:off x="8537276" y="1389184"/>
+            <a:ext cx="138023" cy="112143"/>
+          </a:xfrm>
+          <a:prstGeom prst="ellipse">
+            <a:avLst/>
+          </a:prstGeom>
+        </p:spPr>
+        <p:style>
+          <a:lnRef idx="2">
+            <a:schemeClr val="accent1">
+              <a:shade val="50000"/>
+            </a:schemeClr>
+          </a:lnRef>
+          <a:fillRef idx="1">
+            <a:schemeClr val="accent1"/>
+          </a:fillRef>
+          <a:effectRef idx="0">
+            <a:schemeClr val="accent1"/>
+          </a:effectRef>
+          <a:fontRef idx="minor">
+            <a:schemeClr val="lt1"/>
+          </a:fontRef>
+        </p:style>
+        <p:txBody>
+          <a:bodyPr rtlCol="0" anchor="ctr"/>
+          <a:lstStyle/>
+          <a:p>
+            <a:pPr algn="ctr"/>
+            <a:endParaRPr lang="en-US"/>
+          </a:p>
+        </p:txBody>
+      </p:sp>
+      <p:sp>
+        <p:nvSpPr>
+          <p:cNvPr id="9" name="Oval 8"/>
+          <p:cNvSpPr/>
+          <p:nvPr/>
+        </p:nvSpPr>
+        <p:spPr>
+          <a:xfrm>
+            <a:off x="7030528" y="2246074"/>
+            <a:ext cx="138023" cy="112143"/>
+          </a:xfrm>
+          <a:prstGeom prst="ellipse">
+            <a:avLst/>
+          </a:prstGeom>
+        </p:spPr>
+        <p:style>
+          <a:lnRef idx="2">
+            <a:schemeClr val="accent1">
+              <a:shade val="50000"/>
+            </a:schemeClr>
+          </a:lnRef>
+          <a:fillRef idx="1">
+            <a:schemeClr val="accent1"/>
+          </a:fillRef>
+          <a:effectRef idx="0">
+            <a:schemeClr val="accent1"/>
+          </a:effectRef>
+          <a:fontRef idx="minor">
+            <a:schemeClr val="lt1"/>
+          </a:fontRef>
+        </p:style>
+        <p:txBody>
+          <a:bodyPr rtlCol="0" anchor="ctr"/>
+          <a:lstStyle/>
+          <a:p>
+            <a:pPr algn="ctr"/>
+            <a:endParaRPr lang="en-US"/>
+          </a:p>
+        </p:txBody>
+      </p:sp>
+      <p:sp>
+        <p:nvSpPr>
+          <p:cNvPr id="10" name="Oval 9"/>
+          <p:cNvSpPr/>
+          <p:nvPr/>
+        </p:nvSpPr>
+        <p:spPr>
+          <a:xfrm>
+            <a:off x="7660257" y="2302145"/>
+            <a:ext cx="138023" cy="112143"/>
+          </a:xfrm>
+          <a:prstGeom prst="ellipse">
+            <a:avLst/>
+          </a:prstGeom>
+        </p:spPr>
+        <p:style>
+          <a:lnRef idx="2">
+            <a:schemeClr val="accent1">
+              <a:shade val="50000"/>
+            </a:schemeClr>
+          </a:lnRef>
+          <a:fillRef idx="1">
+            <a:schemeClr val="accent1"/>
+          </a:fillRef>
+          <a:effectRef idx="0">
+            <a:schemeClr val="accent1"/>
+          </a:effectRef>
+          <a:fontRef idx="minor">
+            <a:schemeClr val="lt1"/>
+          </a:fontRef>
+        </p:style>
+        <p:txBody>
+          <a:bodyPr rtlCol="0" anchor="ctr"/>
+          <a:lstStyle/>
+          <a:p>
+            <a:pPr algn="ctr"/>
+            <a:endParaRPr lang="en-US"/>
+          </a:p>
+        </p:txBody>
+      </p:sp>
+      <p:sp>
+        <p:nvSpPr>
+          <p:cNvPr id="11" name="Oval 10"/>
+          <p:cNvSpPr/>
+          <p:nvPr/>
+        </p:nvSpPr>
+        <p:spPr>
+          <a:xfrm>
+            <a:off x="7168551" y="1292855"/>
+            <a:ext cx="138023" cy="112143"/>
+          </a:xfrm>
+          <a:prstGeom prst="ellipse">
+            <a:avLst/>
+          </a:prstGeom>
+        </p:spPr>
+        <p:style>
+          <a:lnRef idx="2">
+            <a:schemeClr val="accent1">
+              <a:shade val="50000"/>
+            </a:schemeClr>
+          </a:lnRef>
+          <a:fillRef idx="1">
+            <a:schemeClr val="accent1"/>
+          </a:fillRef>
+          <a:effectRef idx="0">
+            <a:schemeClr val="accent1"/>
+          </a:effectRef>
+          <a:fontRef idx="minor">
+            <a:schemeClr val="lt1"/>
+          </a:fontRef>
+        </p:style>
+        <p:txBody>
+          <a:bodyPr rtlCol="0" anchor="ctr"/>
+          <a:lstStyle/>
+          <a:p>
+            <a:pPr algn="ctr"/>
+            <a:endParaRPr lang="en-US"/>
+          </a:p>
+        </p:txBody>
+      </p:sp>
+      <p:sp>
+        <p:nvSpPr>
+          <p:cNvPr id="12" name="Oval 11"/>
+          <p:cNvSpPr/>
+          <p:nvPr/>
+        </p:nvSpPr>
+        <p:spPr>
+          <a:xfrm>
+            <a:off x="7320951" y="1445255"/>
+            <a:ext cx="138023" cy="112143"/>
+          </a:xfrm>
+          <a:prstGeom prst="ellipse">
+            <a:avLst/>
+          </a:prstGeom>
+          <a:solidFill>
+            <a:srgbClr val="FF0000"/>
+          </a:solidFill>
+          <a:ln>
+            <a:solidFill>
+              <a:srgbClr val="FF0000"/>
+            </a:solidFill>
+          </a:ln>
+        </p:spPr>
+        <p:style>
+          <a:lnRef idx="2">
+            <a:schemeClr val="accent1">
+              <a:shade val="50000"/>
+            </a:schemeClr>
+          </a:lnRef>
+          <a:fillRef idx="1">
+            <a:schemeClr val="accent1"/>
+          </a:fillRef>
+          <a:effectRef idx="0">
+            <a:schemeClr val="accent1"/>
+          </a:effectRef>
+          <a:fontRef idx="minor">
+            <a:schemeClr val="lt1"/>
+          </a:fontRef>
+        </p:style>
+        <p:txBody>
+          <a:bodyPr rtlCol="0" anchor="ctr"/>
+          <a:lstStyle/>
+          <a:p>
+            <a:pPr algn="ctr"/>
+            <a:endParaRPr lang="en-US"/>
+          </a:p>
+        </p:txBody>
+      </p:sp>
+      <p:sp>
+        <p:nvSpPr>
+          <p:cNvPr id="13" name="Oval 12"/>
+          <p:cNvSpPr/>
+          <p:nvPr/>
+        </p:nvSpPr>
+        <p:spPr>
+          <a:xfrm>
+            <a:off x="8246853" y="934860"/>
+            <a:ext cx="138023" cy="112143"/>
+          </a:xfrm>
+          <a:prstGeom prst="ellipse">
+            <a:avLst/>
+          </a:prstGeom>
+          <a:solidFill>
+            <a:srgbClr val="FF0000"/>
+          </a:solidFill>
+          <a:ln>
+            <a:solidFill>
+              <a:srgbClr val="FF0000"/>
+            </a:solidFill>
+          </a:ln>
+        </p:spPr>
+        <p:style>
+          <a:lnRef idx="2">
+            <a:schemeClr val="accent1">
+              <a:shade val="50000"/>
+            </a:schemeClr>
+          </a:lnRef>
+          <a:fillRef idx="1">
+            <a:schemeClr val="accent1"/>
+          </a:fillRef>
+          <a:effectRef idx="0">
+            <a:schemeClr val="accent1"/>
+          </a:effectRef>
+          <a:fontRef idx="minor">
+            <a:schemeClr val="lt1"/>
+          </a:fontRef>
+        </p:style>
+        <p:txBody>
+          <a:bodyPr rtlCol="0" anchor="ctr"/>
+          <a:lstStyle/>
+          <a:p>
+            <a:pPr algn="ctr"/>
+            <a:endParaRPr lang="en-US"/>
+          </a:p>
+        </p:txBody>
+      </p:sp>
+      <p:sp>
+        <p:nvSpPr>
+          <p:cNvPr id="14" name="Oval 13"/>
+          <p:cNvSpPr/>
+          <p:nvPr/>
+        </p:nvSpPr>
+        <p:spPr>
+          <a:xfrm>
+            <a:off x="8108830" y="2078912"/>
+            <a:ext cx="138023" cy="112143"/>
+          </a:xfrm>
+          <a:prstGeom prst="ellipse">
+            <a:avLst/>
+          </a:prstGeom>
+          <a:solidFill>
+            <a:srgbClr val="FF0000"/>
+          </a:solidFill>
+          <a:ln>
+            <a:solidFill>
+              <a:srgbClr val="FF0000"/>
+            </a:solidFill>
+          </a:ln>
+        </p:spPr>
+        <p:style>
+          <a:lnRef idx="2">
+            <a:schemeClr val="accent1">
+              <a:shade val="50000"/>
+            </a:schemeClr>
+          </a:lnRef>
+          <a:fillRef idx="1">
+            <a:schemeClr val="accent1"/>
+          </a:fillRef>
+          <a:effectRef idx="0">
+            <a:schemeClr val="accent1"/>
+          </a:effectRef>
+          <a:fontRef idx="minor">
+            <a:schemeClr val="lt1"/>
+          </a:fontRef>
+        </p:style>
+        <p:txBody>
+          <a:bodyPr rtlCol="0" anchor="ctr"/>
+          <a:lstStyle/>
+          <a:p>
+            <a:pPr algn="ctr"/>
+            <a:endParaRPr lang="en-US"/>
+          </a:p>
+        </p:txBody>
+      </p:sp>
+      <p:sp>
+        <p:nvSpPr>
+          <p:cNvPr id="15" name="Oval 14"/>
+          <p:cNvSpPr/>
+          <p:nvPr/>
+        </p:nvSpPr>
+        <p:spPr>
+          <a:xfrm>
+            <a:off x="8453886" y="2621708"/>
+            <a:ext cx="138023" cy="112143"/>
+          </a:xfrm>
+          <a:prstGeom prst="ellipse">
+            <a:avLst/>
+          </a:prstGeom>
+          <a:solidFill>
+            <a:srgbClr val="FF0000"/>
+          </a:solidFill>
+          <a:ln>
+            <a:solidFill>
+              <a:srgbClr val="FF0000"/>
+            </a:solidFill>
+          </a:ln>
+        </p:spPr>
+        <p:style>
+          <a:lnRef idx="2">
+            <a:schemeClr val="accent1">
+              <a:shade val="50000"/>
+            </a:schemeClr>
+          </a:lnRef>
+          <a:fillRef idx="1">
+            <a:schemeClr val="accent1"/>
+          </a:fillRef>
+          <a:effectRef idx="0">
+            <a:schemeClr val="accent1"/>
+          </a:effectRef>
+          <a:fontRef idx="minor">
+            <a:schemeClr val="lt1"/>
+          </a:fontRef>
+        </p:style>
+        <p:txBody>
+          <a:bodyPr rtlCol="0" anchor="ctr"/>
+          <a:lstStyle/>
+          <a:p>
+            <a:pPr algn="ctr"/>
+            <a:endParaRPr lang="en-US"/>
+          </a:p>
+        </p:txBody>
+      </p:sp>
+      <p:sp>
+        <p:nvSpPr>
+          <p:cNvPr id="16" name="Oval 15"/>
+          <p:cNvSpPr/>
+          <p:nvPr/>
+        </p:nvSpPr>
+        <p:spPr>
+          <a:xfrm>
+            <a:off x="8713065" y="1669927"/>
+            <a:ext cx="138023" cy="112143"/>
+          </a:xfrm>
+          <a:prstGeom prst="ellipse">
+            <a:avLst/>
+          </a:prstGeom>
+          <a:solidFill>
+            <a:srgbClr val="FF0000"/>
+          </a:solidFill>
+          <a:ln>
+            <a:solidFill>
+              <a:srgbClr val="FF0000"/>
+            </a:solidFill>
+          </a:ln>
+        </p:spPr>
+        <p:style>
+          <a:lnRef idx="2">
+            <a:schemeClr val="accent1">
+              <a:shade val="50000"/>
+            </a:schemeClr>
+          </a:lnRef>
+          <a:fillRef idx="1">
+            <a:schemeClr val="accent1"/>
+          </a:fillRef>
+          <a:effectRef idx="0">
+            <a:schemeClr val="accent1"/>
+          </a:effectRef>
+          <a:fontRef idx="minor">
+            <a:schemeClr val="lt1"/>
+          </a:fontRef>
+        </p:style>
+        <p:txBody>
+          <a:bodyPr rtlCol="0" anchor="ctr"/>
+          <a:lstStyle/>
+          <a:p>
+            <a:pPr algn="ctr"/>
+            <a:endParaRPr lang="en-US"/>
+          </a:p>
+        </p:txBody>
+      </p:sp>
+      <p:sp>
+        <p:nvSpPr>
+          <p:cNvPr id="17" name="Isosceles Triangle 16"/>
+          <p:cNvSpPr/>
+          <p:nvPr/>
+        </p:nvSpPr>
+        <p:spPr>
+          <a:xfrm>
+            <a:off x="6731479" y="2703082"/>
+            <a:ext cx="146649" cy="152400"/>
+          </a:xfrm>
+          <a:prstGeom prst="triangle">
+            <a:avLst/>
+          </a:prstGeom>
+          <a:solidFill>
+            <a:srgbClr val="92D050"/>
+          </a:solidFill>
+          <a:ln>
+            <a:solidFill>
+              <a:srgbClr val="92D050"/>
+            </a:solidFill>
+          </a:ln>
+        </p:spPr>
+        <p:style>
+          <a:lnRef idx="2">
+            <a:schemeClr val="accent1">
+              <a:shade val="50000"/>
+            </a:schemeClr>
+          </a:lnRef>
+          <a:fillRef idx="1">
+            <a:schemeClr val="accent1"/>
+          </a:fillRef>
+          <a:effectRef idx="0">
+            <a:schemeClr val="accent1"/>
+          </a:effectRef>
+          <a:fontRef idx="minor">
+            <a:schemeClr val="lt1"/>
+          </a:fontRef>
+        </p:style>
+        <p:txBody>
+          <a:bodyPr rtlCol="0" anchor="ctr"/>
+          <a:lstStyle/>
+          <a:p>
+            <a:pPr algn="ctr"/>
+            <a:endParaRPr lang="en-US"/>
+          </a:p>
+        </p:txBody>
+      </p:sp>
+      <p:sp>
+        <p:nvSpPr>
+          <p:cNvPr id="18" name="Isosceles Triangle 17"/>
+          <p:cNvSpPr/>
+          <p:nvPr/>
+        </p:nvSpPr>
+        <p:spPr>
+          <a:xfrm>
+            <a:off x="6505756" y="1937211"/>
+            <a:ext cx="146649" cy="152400"/>
+          </a:xfrm>
+          <a:prstGeom prst="triangle">
+            <a:avLst/>
+          </a:prstGeom>
+          <a:solidFill>
+            <a:srgbClr val="92D050"/>
+          </a:solidFill>
+          <a:ln>
+            <a:solidFill>
+              <a:srgbClr val="92D050"/>
+            </a:solidFill>
+          </a:ln>
+        </p:spPr>
+        <p:style>
+          <a:lnRef idx="2">
+            <a:schemeClr val="accent1">
+              <a:shade val="50000"/>
+            </a:schemeClr>
+          </a:lnRef>
+          <a:fillRef idx="1">
+            <a:schemeClr val="accent1"/>
+          </a:fillRef>
+          <a:effectRef idx="0">
+            <a:schemeClr val="accent1"/>
+          </a:effectRef>
+          <a:fontRef idx="minor">
+            <a:schemeClr val="lt1"/>
+          </a:fontRef>
+        </p:style>
+        <p:txBody>
+          <a:bodyPr rtlCol="0" anchor="ctr"/>
+          <a:lstStyle/>
+          <a:p>
+            <a:pPr algn="ctr"/>
+            <a:endParaRPr lang="en-US"/>
+          </a:p>
+        </p:txBody>
+      </p:sp>
+      <p:sp>
+        <p:nvSpPr>
+          <p:cNvPr id="19" name="Isosceles Triangle 18"/>
+          <p:cNvSpPr/>
+          <p:nvPr/>
+        </p:nvSpPr>
+        <p:spPr>
+          <a:xfrm>
+            <a:off x="7458974" y="2733851"/>
+            <a:ext cx="146649" cy="152400"/>
+          </a:xfrm>
+          <a:prstGeom prst="triangle">
+            <a:avLst/>
+          </a:prstGeom>
+          <a:solidFill>
+            <a:srgbClr val="92D050"/>
+          </a:solidFill>
+          <a:ln>
+            <a:solidFill>
+              <a:srgbClr val="92D050"/>
+            </a:solidFill>
+          </a:ln>
+        </p:spPr>
+        <p:style>
+          <a:lnRef idx="2">
+            <a:schemeClr val="accent1">
+              <a:shade val="50000"/>
+            </a:schemeClr>
+          </a:lnRef>
+          <a:fillRef idx="1">
+            <a:schemeClr val="accent1"/>
+          </a:fillRef>
+          <a:effectRef idx="0">
+            <a:schemeClr val="accent1"/>
+          </a:effectRef>
+          <a:fontRef idx="minor">
+            <a:schemeClr val="lt1"/>
+          </a:fontRef>
+        </p:style>
+        <p:txBody>
+          <a:bodyPr rtlCol="0" anchor="ctr"/>
+          <a:lstStyle/>
+          <a:p>
+            <a:pPr algn="ctr"/>
+            <a:endParaRPr lang="en-US"/>
+          </a:p>
+        </p:txBody>
+      </p:sp>
+      <p:sp>
+        <p:nvSpPr>
+          <p:cNvPr id="20" name="Isosceles Triangle 19"/>
+          <p:cNvSpPr/>
+          <p:nvPr/>
+        </p:nvSpPr>
+        <p:spPr>
+          <a:xfrm>
+            <a:off x="7415841" y="1978656"/>
+            <a:ext cx="146649" cy="152400"/>
+          </a:xfrm>
+          <a:prstGeom prst="triangle">
+            <a:avLst/>
+          </a:prstGeom>
+          <a:solidFill>
+            <a:srgbClr val="92D050"/>
+          </a:solidFill>
+          <a:ln>
+            <a:solidFill>
+              <a:srgbClr val="92D050"/>
+            </a:solidFill>
+          </a:ln>
+        </p:spPr>
+        <p:style>
+          <a:lnRef idx="2">
+            <a:schemeClr val="accent1">
+              <a:shade val="50000"/>
+            </a:schemeClr>
+          </a:lnRef>
+          <a:fillRef idx="1">
+            <a:schemeClr val="accent1"/>
+          </a:fillRef>
+          <a:effectRef idx="0">
+            <a:schemeClr val="accent1"/>
+          </a:effectRef>
+          <a:fontRef idx="minor">
+            <a:schemeClr val="lt1"/>
+          </a:fontRef>
+        </p:style>
+        <p:txBody>
+          <a:bodyPr rtlCol="0" anchor="ctr"/>
+          <a:lstStyle/>
+          <a:p>
+            <a:pPr algn="ctr"/>
+            <a:endParaRPr lang="en-US"/>
+          </a:p>
+        </p:txBody>
+      </p:sp>
+      <p:sp>
+        <p:nvSpPr>
+          <p:cNvPr id="21" name="Isosceles Triangle 20"/>
+          <p:cNvSpPr/>
+          <p:nvPr/>
+        </p:nvSpPr>
+        <p:spPr>
+          <a:xfrm>
+            <a:off x="7116792" y="1523530"/>
+            <a:ext cx="146649" cy="152400"/>
+          </a:xfrm>
+          <a:prstGeom prst="triangle">
+            <a:avLst/>
+          </a:prstGeom>
+          <a:solidFill>
+            <a:srgbClr val="92D050"/>
+          </a:solidFill>
+          <a:ln>
+            <a:solidFill>
+              <a:srgbClr val="92D050"/>
+            </a:solidFill>
+          </a:ln>
+        </p:spPr>
+        <p:style>
+          <a:lnRef idx="2">
+            <a:schemeClr val="accent1">
+              <a:shade val="50000"/>
+            </a:schemeClr>
+          </a:lnRef>
+          <a:fillRef idx="1">
+            <a:schemeClr val="accent1"/>
+          </a:fillRef>
+          <a:effectRef idx="0">
+            <a:schemeClr val="accent1"/>
+          </a:effectRef>
+          <a:fontRef idx="minor">
+            <a:schemeClr val="lt1"/>
+          </a:fontRef>
+        </p:style>
+        <p:txBody>
+          <a:bodyPr rtlCol="0" anchor="ctr"/>
+          <a:lstStyle/>
+          <a:p>
+            <a:pPr algn="ctr"/>
+            <a:endParaRPr lang="en-US"/>
+          </a:p>
+        </p:txBody>
+      </p:sp>
+      <p:sp>
+        <p:nvSpPr>
+          <p:cNvPr id="22" name="Oval 21"/>
+          <p:cNvSpPr/>
+          <p:nvPr/>
+        </p:nvSpPr>
+        <p:spPr>
+          <a:xfrm>
+            <a:off x="7919241" y="1613855"/>
+            <a:ext cx="138023" cy="112143"/>
+          </a:xfrm>
+          <a:prstGeom prst="ellipse">
+            <a:avLst/>
+          </a:prstGeom>
+        </p:spPr>
+        <p:style>
+          <a:lnRef idx="2">
+            <a:schemeClr val="accent1">
+              <a:shade val="50000"/>
+            </a:schemeClr>
+          </a:lnRef>
+          <a:fillRef idx="1">
+            <a:schemeClr val="accent1"/>
+          </a:fillRef>
+          <a:effectRef idx="0">
+            <a:schemeClr val="accent1"/>
+          </a:effectRef>
+          <a:fontRef idx="minor">
+            <a:schemeClr val="lt1"/>
+          </a:fontRef>
+        </p:style>
+        <p:txBody>
+          <a:bodyPr rtlCol="0" anchor="ctr"/>
+          <a:lstStyle/>
+          <a:p>
+            <a:pPr algn="ctr"/>
+            <a:endParaRPr lang="en-US"/>
+          </a:p>
+        </p:txBody>
+      </p:sp>
+      <p:pic>
+        <p:nvPicPr>
+          <p:cNvPr id="1026" name="Picture 2" descr="Topologies of the phylogenetic trees used to construct the composite phylogeny. (a) Gilbert (1967: fig. 4) based on morphology; (b) Compagno (1988: fig. 21.10c) based on morphology; (c) Lavery (1992: fig. 1) based on isozymes; (d) Naylor (1992: fig. 3c) based on isozymes; (e) Martin (1993: fig. 1) based on mitochondrial DNA sequences.Â "/>
+          <p:cNvPicPr>
+            <a:picLocks noChangeAspect="1" noChangeArrowheads="1"/>
+          </p:cNvPicPr>
+          <p:nvPr/>
+        </p:nvPicPr>
+        <p:blipFill rotWithShape="1">
+          <a:blip r:embed="rId2" cstate="print">
+            <a:extLst>
+              <a:ext uri="{28A0092B-C50C-407E-A947-70E740481C1C}">
+                <a14:useLocalDpi xmlns:a14="http://schemas.microsoft.com/office/drawing/2010/main" val="0"/>
+              </a:ext>
+            </a:extLst>
+          </a:blip>
+          <a:srcRect b="32784"/>
+          <a:stretch/>
+        </p:blipFill>
+        <p:spPr bwMode="auto">
+          <a:xfrm>
+            <a:off x="250186" y="592410"/>
+            <a:ext cx="4094024" cy="2463718"/>
+          </a:xfrm>
+          <a:prstGeom prst="rect">
+            <a:avLst/>
+          </a:prstGeom>
+          <a:noFill/>
+          <a:extLst>
+            <a:ext uri="{909E8E84-426E-40DD-AFC4-6F175D3DCCD1}">
+              <a14:hiddenFill xmlns:a14="http://schemas.microsoft.com/office/drawing/2010/main">
+                <a:solidFill>
+                  <a:srgbClr val="FFFFFF"/>
+                </a:solidFill>
+              </a14:hiddenFill>
+            </a:ext>
+          </a:extLst>
+        </p:spPr>
+      </p:pic>
+      <p:sp>
+        <p:nvSpPr>
+          <p:cNvPr id="42" name="Rectangle 41"/>
+          <p:cNvSpPr/>
+          <p:nvPr/>
+        </p:nvSpPr>
+        <p:spPr>
+          <a:xfrm>
+            <a:off x="3809383" y="663417"/>
+            <a:ext cx="496808" cy="2392711"/>
+          </a:xfrm>
+          <a:prstGeom prst="rect">
+            <a:avLst/>
+          </a:prstGeom>
+          <a:solidFill>
+            <a:schemeClr val="bg1"/>
+          </a:solidFill>
+          <a:ln>
+            <a:solidFill>
+              <a:schemeClr val="bg1"/>
+            </a:solidFill>
+          </a:ln>
+        </p:spPr>
+        <p:style>
+          <a:lnRef idx="2">
+            <a:schemeClr val="accent1">
+              <a:shade val="50000"/>
+            </a:schemeClr>
+          </a:lnRef>
+          <a:fillRef idx="1">
+            <a:schemeClr val="accent1"/>
+          </a:fillRef>
+          <a:effectRef idx="0">
+            <a:schemeClr val="accent1"/>
+          </a:effectRef>
+          <a:fontRef idx="minor">
+            <a:schemeClr val="lt1"/>
+          </a:fontRef>
+        </p:style>
+        <p:txBody>
+          <a:bodyPr rtlCol="0" anchor="ctr"/>
+          <a:lstStyle/>
+          <a:p>
+            <a:pPr algn="ctr"/>
+            <a:endParaRPr lang="en-US"/>
+          </a:p>
+        </p:txBody>
+      </p:sp>
+      <p:sp>
+        <p:nvSpPr>
+          <p:cNvPr id="44" name="Rectangle 43"/>
+          <p:cNvSpPr/>
+          <p:nvPr/>
+        </p:nvSpPr>
+        <p:spPr>
+          <a:xfrm>
+            <a:off x="1785599" y="554943"/>
+            <a:ext cx="709522" cy="2539229"/>
+          </a:xfrm>
+          <a:prstGeom prst="rect">
+            <a:avLst/>
+          </a:prstGeom>
+          <a:solidFill>
+            <a:schemeClr val="bg1"/>
+          </a:solidFill>
+          <a:ln>
+            <a:solidFill>
+              <a:schemeClr val="bg1"/>
+            </a:solidFill>
+          </a:ln>
+        </p:spPr>
+        <p:style>
+          <a:lnRef idx="2">
+            <a:schemeClr val="accent1">
+              <a:shade val="50000"/>
+            </a:schemeClr>
+          </a:lnRef>
+          <a:fillRef idx="1">
+            <a:schemeClr val="accent1"/>
+          </a:fillRef>
+          <a:effectRef idx="0">
+            <a:schemeClr val="accent1"/>
+          </a:effectRef>
+          <a:fontRef idx="minor">
+            <a:schemeClr val="lt1"/>
+          </a:fontRef>
+        </p:style>
+        <p:txBody>
+          <a:bodyPr rtlCol="0" anchor="ctr"/>
+          <a:lstStyle/>
+          <a:p>
+            <a:pPr algn="ctr"/>
+            <a:endParaRPr lang="en-US"/>
+          </a:p>
+        </p:txBody>
+      </p:sp>
+      <p:sp>
+        <p:nvSpPr>
+          <p:cNvPr id="45" name="Rectangle 44"/>
+          <p:cNvSpPr/>
+          <p:nvPr/>
+        </p:nvSpPr>
+        <p:spPr>
+          <a:xfrm>
+            <a:off x="263845" y="529420"/>
+            <a:ext cx="136667" cy="2230989"/>
+          </a:xfrm>
+          <a:prstGeom prst="rect">
+            <a:avLst/>
+          </a:prstGeom>
+          <a:solidFill>
+            <a:schemeClr val="bg1"/>
+          </a:solidFill>
+          <a:ln>
+            <a:solidFill>
+              <a:schemeClr val="bg1"/>
+            </a:solidFill>
+          </a:ln>
+        </p:spPr>
+        <p:style>
+          <a:lnRef idx="2">
+            <a:schemeClr val="accent1">
+              <a:shade val="50000"/>
+            </a:schemeClr>
+          </a:lnRef>
+          <a:fillRef idx="1">
+            <a:schemeClr val="accent1"/>
+          </a:fillRef>
+          <a:effectRef idx="0">
+            <a:schemeClr val="accent1"/>
+          </a:effectRef>
+          <a:fontRef idx="minor">
+            <a:schemeClr val="lt1"/>
+          </a:fontRef>
+        </p:style>
+        <p:txBody>
+          <a:bodyPr rtlCol="0" anchor="ctr"/>
+          <a:lstStyle/>
+          <a:p>
+            <a:pPr algn="ctr"/>
+            <a:endParaRPr lang="en-US"/>
+          </a:p>
+        </p:txBody>
+      </p:sp>
+      <p:sp>
+        <p:nvSpPr>
+          <p:cNvPr id="43" name="TextBox 42"/>
+          <p:cNvSpPr txBox="1"/>
+          <p:nvPr/>
+        </p:nvSpPr>
+        <p:spPr>
+          <a:xfrm>
+            <a:off x="68272" y="0"/>
+            <a:ext cx="4300149" cy="461665"/>
+          </a:xfrm>
+          <a:prstGeom prst="rect">
+            <a:avLst/>
+          </a:prstGeom>
+          <a:noFill/>
+        </p:spPr>
+        <p:txBody>
+          <a:bodyPr wrap="square" rtlCol="0">
+            <a:spAutoFit/>
+          </a:bodyPr>
+          <a:lstStyle/>
+          <a:p>
+            <a:r>
+              <a:rPr lang="en-US" sz="2400" dirty="0" smtClean="0"/>
+              <a:t>1) Collate simulated phylogenies</a:t>
+            </a:r>
+            <a:endParaRPr lang="en-US" sz="2400" dirty="0"/>
+          </a:p>
+        </p:txBody>
+      </p:sp>
+      <p:sp>
+        <p:nvSpPr>
+          <p:cNvPr id="47" name="TextBox 46"/>
+          <p:cNvSpPr txBox="1"/>
+          <p:nvPr/>
+        </p:nvSpPr>
+        <p:spPr>
+          <a:xfrm>
+            <a:off x="4609513" y="-23367"/>
+            <a:ext cx="3815618" cy="830997"/>
+          </a:xfrm>
+          <a:prstGeom prst="rect">
+            <a:avLst/>
+          </a:prstGeom>
+          <a:noFill/>
+        </p:spPr>
+        <p:txBody>
+          <a:bodyPr wrap="square" rtlCol="0">
+            <a:spAutoFit/>
+          </a:bodyPr>
+          <a:lstStyle/>
+          <a:p>
+            <a:r>
+              <a:rPr lang="en-US" sz="2400" dirty="0" smtClean="0"/>
+              <a:t>2) Characterize tree shape, code by simulation attributes</a:t>
+            </a:r>
+            <a:endParaRPr lang="en-US" sz="2400" dirty="0"/>
+          </a:p>
+        </p:txBody>
+      </p:sp>
+      <p:sp>
+        <p:nvSpPr>
+          <p:cNvPr id="46" name="Right Arrow 45"/>
+          <p:cNvSpPr/>
+          <p:nvPr/>
+        </p:nvSpPr>
+        <p:spPr>
+          <a:xfrm>
+            <a:off x="4306191" y="1126442"/>
+            <a:ext cx="709618" cy="1362721"/>
+          </a:xfrm>
+          <a:prstGeom prst="rightArrow">
+            <a:avLst/>
+          </a:prstGeom>
+        </p:spPr>
+        <p:style>
+          <a:lnRef idx="2">
+            <a:schemeClr val="accent1">
+              <a:shade val="50000"/>
+            </a:schemeClr>
+          </a:lnRef>
+          <a:fillRef idx="1">
+            <a:schemeClr val="accent1"/>
+          </a:fillRef>
+          <a:effectRef idx="0">
+            <a:schemeClr val="accent1"/>
+          </a:effectRef>
+          <a:fontRef idx="minor">
+            <a:schemeClr val="lt1"/>
+          </a:fontRef>
+        </p:style>
+        <p:txBody>
+          <a:bodyPr rtlCol="0" anchor="ctr"/>
+          <a:lstStyle/>
+          <a:p>
+            <a:pPr algn="ctr"/>
+            <a:endParaRPr lang="en-US"/>
+          </a:p>
+        </p:txBody>
+      </p:sp>
+      <p:sp>
+        <p:nvSpPr>
+          <p:cNvPr id="49" name="Right Arrow 48"/>
+          <p:cNvSpPr/>
+          <p:nvPr/>
+        </p:nvSpPr>
+        <p:spPr>
+          <a:xfrm rot="5400000">
+            <a:off x="6506464" y="3173921"/>
+            <a:ext cx="743324" cy="1362721"/>
+          </a:xfrm>
+          <a:prstGeom prst="rightArrow">
+            <a:avLst/>
+          </a:prstGeom>
+        </p:spPr>
+        <p:style>
+          <a:lnRef idx="2">
+            <a:schemeClr val="accent1">
+              <a:shade val="50000"/>
+            </a:schemeClr>
+          </a:lnRef>
+          <a:fillRef idx="1">
+            <a:schemeClr val="accent1"/>
+          </a:fillRef>
+          <a:effectRef idx="0">
+            <a:schemeClr val="accent1"/>
+          </a:effectRef>
+          <a:fontRef idx="minor">
+            <a:schemeClr val="lt1"/>
+          </a:fontRef>
+        </p:style>
+        <p:txBody>
+          <a:bodyPr rtlCol="0" anchor="ctr"/>
+          <a:lstStyle/>
+          <a:p>
+            <a:pPr algn="ctr"/>
+            <a:endParaRPr lang="en-US"/>
+          </a:p>
+        </p:txBody>
+      </p:sp>
+      <p:sp>
+        <p:nvSpPr>
+          <p:cNvPr id="50" name="TextBox 49"/>
+          <p:cNvSpPr txBox="1"/>
+          <p:nvPr/>
+        </p:nvSpPr>
+        <p:spPr>
+          <a:xfrm>
+            <a:off x="4721658" y="4090191"/>
+            <a:ext cx="3815618" cy="2308324"/>
+          </a:xfrm>
+          <a:prstGeom prst="rect">
+            <a:avLst/>
+          </a:prstGeom>
+          <a:noFill/>
+        </p:spPr>
+        <p:txBody>
+          <a:bodyPr wrap="square" rtlCol="0">
+            <a:spAutoFit/>
+          </a:bodyPr>
+          <a:lstStyle/>
+          <a:p>
+            <a:r>
+              <a:rPr lang="en-US" sz="2400" dirty="0" smtClean="0"/>
+              <a:t>3a) Which tree shape metrics are most variable?</a:t>
+            </a:r>
+          </a:p>
+          <a:p>
+            <a:endParaRPr lang="en-US" sz="2400" dirty="0"/>
+          </a:p>
+          <a:p>
+            <a:r>
+              <a:rPr lang="en-US" sz="2400" dirty="0" smtClean="0"/>
+              <a:t>3b) Which simulation attributes best explain that variation?</a:t>
+            </a:r>
+            <a:endParaRPr lang="en-US" sz="2400" dirty="0"/>
+          </a:p>
+        </p:txBody>
+      </p:sp>
+      <p:cxnSp>
+        <p:nvCxnSpPr>
+          <p:cNvPr id="51" name="Straight Arrow Connector 50"/>
+          <p:cNvCxnSpPr/>
+          <p:nvPr/>
+        </p:nvCxnSpPr>
+        <p:spPr>
+          <a:xfrm flipV="1">
+            <a:off x="7660257" y="1360574"/>
+            <a:ext cx="397007" cy="564922"/>
+          </a:xfrm>
+          <a:prstGeom prst="straightConnector1">
+            <a:avLst/>
+          </a:prstGeom>
+          <a:ln>
+            <a:solidFill>
+              <a:schemeClr val="tx1"/>
+            </a:solidFill>
+            <a:tailEnd type="triangle"/>
+          </a:ln>
+        </p:spPr>
+        <p:style>
+          <a:lnRef idx="1">
+            <a:schemeClr val="accent1"/>
+          </a:lnRef>
+          <a:fillRef idx="0">
+            <a:schemeClr val="accent1"/>
+          </a:fillRef>
+          <a:effectRef idx="0">
+            <a:schemeClr val="accent1"/>
+          </a:effectRef>
+          <a:fontRef idx="minor">
+            <a:schemeClr val="tx1"/>
+          </a:fontRef>
+        </p:style>
+      </p:cxnSp>
+      <p:cxnSp>
+        <p:nvCxnSpPr>
+          <p:cNvPr id="53" name="Straight Arrow Connector 52"/>
+          <p:cNvCxnSpPr/>
+          <p:nvPr/>
+        </p:nvCxnSpPr>
+        <p:spPr>
+          <a:xfrm flipV="1">
+            <a:off x="7660257" y="1755355"/>
+            <a:ext cx="945654" cy="164271"/>
+          </a:xfrm>
+          <a:prstGeom prst="straightConnector1">
+            <a:avLst/>
+          </a:prstGeom>
+          <a:ln>
+            <a:solidFill>
+              <a:schemeClr val="tx1"/>
+            </a:solidFill>
+            <a:tailEnd type="triangle"/>
+          </a:ln>
+        </p:spPr>
+        <p:style>
+          <a:lnRef idx="1">
+            <a:schemeClr val="accent1"/>
+          </a:lnRef>
+          <a:fillRef idx="0">
+            <a:schemeClr val="accent1"/>
+          </a:fillRef>
+          <a:effectRef idx="0">
+            <a:schemeClr val="accent1"/>
+          </a:effectRef>
+          <a:fontRef idx="minor">
+            <a:schemeClr val="tx1"/>
+          </a:fontRef>
+        </p:style>
+      </p:cxnSp>
+      <p:cxnSp>
+        <p:nvCxnSpPr>
+          <p:cNvPr id="56" name="Straight Arrow Connector 55"/>
+          <p:cNvCxnSpPr/>
+          <p:nvPr/>
+        </p:nvCxnSpPr>
+        <p:spPr>
+          <a:xfrm flipH="1" flipV="1">
+            <a:off x="7458974" y="1792930"/>
+            <a:ext cx="201283" cy="118908"/>
+          </a:xfrm>
+          <a:prstGeom prst="straightConnector1">
+            <a:avLst/>
+          </a:prstGeom>
+          <a:ln>
+            <a:solidFill>
+              <a:schemeClr val="tx1"/>
+            </a:solidFill>
+            <a:tailEnd type="triangle"/>
+          </a:ln>
+        </p:spPr>
+        <p:style>
+          <a:lnRef idx="1">
+            <a:schemeClr val="accent1"/>
+          </a:lnRef>
+          <a:fillRef idx="0">
+            <a:schemeClr val="accent1"/>
+          </a:fillRef>
+          <a:effectRef idx="0">
+            <a:schemeClr val="accent1"/>
+          </a:effectRef>
+          <a:fontRef idx="minor">
+            <a:schemeClr val="tx1"/>
+          </a:fontRef>
+        </p:style>
+      </p:cxnSp>
+      <p:cxnSp>
+        <p:nvCxnSpPr>
+          <p:cNvPr id="59" name="Straight Arrow Connector 58"/>
+          <p:cNvCxnSpPr/>
+          <p:nvPr/>
+        </p:nvCxnSpPr>
+        <p:spPr>
+          <a:xfrm flipH="1">
+            <a:off x="7237562" y="1919625"/>
+            <a:ext cx="448575" cy="284729"/>
+          </a:xfrm>
+          <a:prstGeom prst="straightConnector1">
+            <a:avLst/>
+          </a:prstGeom>
+          <a:ln>
+            <a:solidFill>
+              <a:schemeClr val="tx1"/>
+            </a:solidFill>
+            <a:tailEnd type="triangle"/>
+          </a:ln>
+        </p:spPr>
+        <p:style>
+          <a:lnRef idx="1">
+            <a:schemeClr val="accent1"/>
+          </a:lnRef>
+          <a:fillRef idx="0">
+            <a:schemeClr val="accent1"/>
+          </a:fillRef>
+          <a:effectRef idx="0">
+            <a:schemeClr val="accent1"/>
+          </a:effectRef>
+          <a:fontRef idx="minor">
+            <a:schemeClr val="tx1"/>
+          </a:fontRef>
+        </p:style>
+      </p:cxnSp>
+      <p:sp>
+        <p:nvSpPr>
+          <p:cNvPr id="62" name="Isosceles Triangle 61"/>
+          <p:cNvSpPr/>
+          <p:nvPr/>
+        </p:nvSpPr>
+        <p:spPr>
+          <a:xfrm>
+            <a:off x="6443997" y="788412"/>
+            <a:ext cx="146649" cy="152400"/>
+          </a:xfrm>
+          <a:prstGeom prst="triangle">
+            <a:avLst/>
+          </a:prstGeom>
+          <a:noFill/>
+          <a:ln>
+            <a:solidFill>
+              <a:schemeClr val="tx1"/>
+            </a:solidFill>
+          </a:ln>
+        </p:spPr>
+        <p:style>
+          <a:lnRef idx="2">
+            <a:schemeClr val="accent1">
+              <a:shade val="50000"/>
+            </a:schemeClr>
+          </a:lnRef>
+          <a:fillRef idx="1">
+            <a:schemeClr val="accent1"/>
+          </a:fillRef>
+          <a:effectRef idx="0">
+            <a:schemeClr val="accent1"/>
+          </a:effectRef>
+          <a:fontRef idx="minor">
+            <a:schemeClr val="lt1"/>
+          </a:fontRef>
+        </p:style>
+        <p:txBody>
+          <a:bodyPr rtlCol="0" anchor="ctr"/>
+          <a:lstStyle/>
+          <a:p>
+            <a:pPr algn="ctr"/>
+            <a:endParaRPr lang="en-US"/>
+          </a:p>
+        </p:txBody>
+      </p:sp>
+      <p:sp>
+        <p:nvSpPr>
+          <p:cNvPr id="63" name="Oval 62"/>
+          <p:cNvSpPr/>
+          <p:nvPr/>
+        </p:nvSpPr>
+        <p:spPr>
+          <a:xfrm>
+            <a:off x="6441057" y="1014299"/>
+            <a:ext cx="138023" cy="112143"/>
+          </a:xfrm>
+          <a:prstGeom prst="ellipse">
+            <a:avLst/>
+          </a:prstGeom>
+          <a:noFill/>
+          <a:ln>
+            <a:solidFill>
+              <a:schemeClr val="tx1"/>
+            </a:solidFill>
+          </a:ln>
+        </p:spPr>
+        <p:style>
+          <a:lnRef idx="2">
+            <a:schemeClr val="accent1">
+              <a:shade val="50000"/>
+            </a:schemeClr>
+          </a:lnRef>
+          <a:fillRef idx="1">
+            <a:schemeClr val="accent1"/>
+          </a:fillRef>
+          <a:effectRef idx="0">
+            <a:schemeClr val="accent1"/>
+          </a:effectRef>
+          <a:fontRef idx="minor">
+            <a:schemeClr val="lt1"/>
+          </a:fontRef>
+        </p:style>
+        <p:txBody>
+          <a:bodyPr rtlCol="0" anchor="ctr"/>
+          <a:lstStyle/>
+          <a:p>
+            <a:pPr algn="ctr"/>
+            <a:endParaRPr lang="en-US"/>
+          </a:p>
+        </p:txBody>
+      </p:sp>
+      <p:sp>
+        <p:nvSpPr>
+          <p:cNvPr id="61" name="TextBox 60"/>
+          <p:cNvSpPr txBox="1"/>
+          <p:nvPr/>
+        </p:nvSpPr>
+        <p:spPr>
+          <a:xfrm>
+            <a:off x="6534920" y="730459"/>
+            <a:ext cx="1543308" cy="461665"/>
+          </a:xfrm>
+          <a:prstGeom prst="rect">
+            <a:avLst/>
+          </a:prstGeom>
+          <a:noFill/>
+        </p:spPr>
+        <p:txBody>
+          <a:bodyPr wrap="none" rtlCol="0">
+            <a:spAutoFit/>
+          </a:bodyPr>
+          <a:lstStyle/>
+          <a:p>
+            <a:r>
+              <a:rPr lang="en-US" sz="1200" dirty="0" smtClean="0"/>
+              <a:t>diversity dependent</a:t>
+            </a:r>
+          </a:p>
+          <a:p>
+            <a:r>
+              <a:rPr lang="en-US" sz="1200" dirty="0" smtClean="0"/>
+              <a:t>diversity independent</a:t>
+            </a:r>
+            <a:endParaRPr lang="en-US" sz="1200" dirty="0"/>
+          </a:p>
+        </p:txBody>
+      </p:sp>
+      <p:sp>
+        <p:nvSpPr>
+          <p:cNvPr id="71" name="Oval 70"/>
+          <p:cNvSpPr/>
+          <p:nvPr/>
+        </p:nvSpPr>
+        <p:spPr>
+          <a:xfrm>
+            <a:off x="6436744" y="1177639"/>
+            <a:ext cx="138023" cy="112143"/>
+          </a:xfrm>
+          <a:prstGeom prst="ellipse">
+            <a:avLst/>
+          </a:prstGeom>
+        </p:spPr>
+        <p:style>
+          <a:lnRef idx="2">
+            <a:schemeClr val="accent1">
+              <a:shade val="50000"/>
+            </a:schemeClr>
+          </a:lnRef>
+          <a:fillRef idx="1">
+            <a:schemeClr val="accent1"/>
+          </a:fillRef>
+          <a:effectRef idx="0">
+            <a:schemeClr val="accent1"/>
+          </a:effectRef>
+          <a:fontRef idx="minor">
+            <a:schemeClr val="lt1"/>
+          </a:fontRef>
+        </p:style>
+        <p:txBody>
+          <a:bodyPr rtlCol="0" anchor="ctr"/>
+          <a:lstStyle/>
+          <a:p>
+            <a:pPr algn="ctr"/>
+            <a:endParaRPr lang="en-US"/>
+          </a:p>
+        </p:txBody>
+      </p:sp>
+      <p:sp>
+        <p:nvSpPr>
+          <p:cNvPr id="72" name="Oval 71"/>
+          <p:cNvSpPr/>
+          <p:nvPr/>
+        </p:nvSpPr>
+        <p:spPr>
+          <a:xfrm>
+            <a:off x="6434477" y="1361081"/>
+            <a:ext cx="138023" cy="112143"/>
+          </a:xfrm>
+          <a:prstGeom prst="ellipse">
+            <a:avLst/>
+          </a:prstGeom>
+          <a:solidFill>
+            <a:srgbClr val="FF0000"/>
+          </a:solidFill>
+          <a:ln>
+            <a:solidFill>
+              <a:srgbClr val="FF0000"/>
+            </a:solidFill>
+          </a:ln>
+        </p:spPr>
+        <p:style>
+          <a:lnRef idx="2">
+            <a:schemeClr val="accent1">
+              <a:shade val="50000"/>
+            </a:schemeClr>
+          </a:lnRef>
+          <a:fillRef idx="1">
+            <a:schemeClr val="accent1"/>
+          </a:fillRef>
+          <a:effectRef idx="0">
+            <a:schemeClr val="accent1"/>
+          </a:effectRef>
+          <a:fontRef idx="minor">
+            <a:schemeClr val="lt1"/>
+          </a:fontRef>
+        </p:style>
+        <p:txBody>
+          <a:bodyPr rtlCol="0" anchor="ctr"/>
+          <a:lstStyle/>
+          <a:p>
+            <a:pPr algn="ctr"/>
+            <a:endParaRPr lang="en-US"/>
+          </a:p>
+        </p:txBody>
+      </p:sp>
+      <p:sp>
+        <p:nvSpPr>
+          <p:cNvPr id="73" name="TextBox 72"/>
+          <p:cNvSpPr txBox="1"/>
+          <p:nvPr/>
+        </p:nvSpPr>
+        <p:spPr>
+          <a:xfrm>
+            <a:off x="6525718" y="1097974"/>
+            <a:ext cx="1120948" cy="461665"/>
+          </a:xfrm>
+          <a:prstGeom prst="rect">
+            <a:avLst/>
+          </a:prstGeom>
+          <a:noFill/>
+        </p:spPr>
+        <p:txBody>
+          <a:bodyPr wrap="none" rtlCol="0">
+            <a:spAutoFit/>
+          </a:bodyPr>
+          <a:lstStyle/>
+          <a:p>
+            <a:r>
+              <a:rPr lang="en-US" sz="1200" dirty="0" smtClean="0"/>
+              <a:t>point mutation</a:t>
+            </a:r>
+          </a:p>
+          <a:p>
+            <a:r>
+              <a:rPr lang="en-US" sz="1200" dirty="0" smtClean="0"/>
+              <a:t>random fission</a:t>
+            </a:r>
+            <a:endParaRPr lang="en-US" sz="1200" dirty="0"/>
+          </a:p>
+        </p:txBody>
+      </p:sp>
+    </p:spTree>
+    <p:extLst>
+      <p:ext uri="{BB962C8B-B14F-4D97-AF65-F5344CB8AC3E}">
+        <p14:creationId xmlns:p14="http://schemas.microsoft.com/office/powerpoint/2010/main" val="4280724783"/>
+      </p:ext>
+    </p:extLst>
+  </p:cSld>
+  <p:clrMapOvr>
+    <a:masterClrMapping/>
+  </p:clrMapOvr>
+</p:sld>
+</file>
+
+<file path=ppt/slides/slide9.xml><?xml version="1.0" encoding="utf-8"?>
+<p:sld xmlns:a="http://schemas.openxmlformats.org/drawingml/2006/main" xmlns:r="http://schemas.openxmlformats.org/officeDocument/2006/relationships" xmlns:p="http://schemas.openxmlformats.org/presentationml/2006/main">
+  <p:cSld>
+    <p:spTree>
+      <p:nvGrpSpPr>
+        <p:cNvPr id="1" name=""/>
+        <p:cNvGrpSpPr/>
+        <p:nvPr/>
+      </p:nvGrpSpPr>
+      <p:grpSpPr>
+        <a:xfrm>
+          <a:off x="0" y="0"/>
+          <a:ext cx="0" cy="0"/>
+          <a:chOff x="0" y="0"/>
+          <a:chExt cx="0" cy="0"/>
+        </a:xfrm>
+      </p:grpSpPr>
+      <p:sp>
+        <p:nvSpPr>
           <p:cNvPr id="4" name="Rectangle 3"/>
           <p:cNvSpPr/>
           <p:nvPr/>
@@ -4798,7 +10326,7 @@
     </p:spTree>
     <p:extLst>
       <p:ext uri="{BB962C8B-B14F-4D97-AF65-F5344CB8AC3E}">
-        <p14:creationId xmlns:p14="http://schemas.microsoft.com/office/powerpoint/2010/main" val="3490102645"/>
+        <p14:creationId xmlns:p14="http://schemas.microsoft.com/office/powerpoint/2010/main" val="345618160"/>
       </p:ext>
     </p:extLst>
   </p:cSld>
